--- a/中間発表.pptx
+++ b/中間発表.pptx
@@ -5,16 +5,17 @@
     <p:sldMasterId id="2147483648" r:id="rId1"/>
   </p:sldMasterIdLst>
   <p:notesMasterIdLst>
-    <p:notesMasterId r:id="rId9"/>
+    <p:notesMasterId r:id="rId10"/>
   </p:notesMasterIdLst>
   <p:sldIdLst>
     <p:sldId id="256" r:id="rId2"/>
     <p:sldId id="257" r:id="rId3"/>
     <p:sldId id="260" r:id="rId4"/>
-    <p:sldId id="262" r:id="rId5"/>
-    <p:sldId id="258" r:id="rId6"/>
-    <p:sldId id="259" r:id="rId7"/>
-    <p:sldId id="261" r:id="rId8"/>
+    <p:sldId id="263" r:id="rId5"/>
+    <p:sldId id="262" r:id="rId6"/>
+    <p:sldId id="258" r:id="rId7"/>
+    <p:sldId id="259" r:id="rId8"/>
+    <p:sldId id="264" r:id="rId9"/>
   </p:sldIdLst>
   <p:sldSz cx="12192000" cy="6858000"/>
   <p:notesSz cx="6858000" cy="9144000"/>
@@ -203,7 +204,7 @@
           <a:p>
             <a:fld id="{51677D68-3129-45A8-9CC0-6FB3FF7C24B7}" type="datetimeFigureOut">
               <a:rPr kumimoji="1" lang="ja-JP" altLang="en-US" smtClean="0"/>
-              <a:t>2024/8/2</a:t>
+              <a:t>2024/5/27</a:t>
             </a:fld>
             <a:endParaRPr kumimoji="1" lang="ja-JP" altLang="en-US"/>
           </a:p>
@@ -844,7 +845,7 @@
           <a:p>
             <a:fld id="{73B214E2-DB6C-47F5-AE85-1EAAEE796BFA}" type="datetimeFigureOut">
               <a:rPr kumimoji="1" lang="ja-JP" altLang="en-US" smtClean="0"/>
-              <a:t>2024/8/2</a:t>
+              <a:t>2024/5/27</a:t>
             </a:fld>
             <a:endParaRPr kumimoji="1" lang="ja-JP" altLang="en-US"/>
           </a:p>
@@ -1074,7 +1075,7 @@
           <a:p>
             <a:fld id="{73B214E2-DB6C-47F5-AE85-1EAAEE796BFA}" type="datetimeFigureOut">
               <a:rPr kumimoji="1" lang="ja-JP" altLang="en-US" smtClean="0"/>
-              <a:t>2024/8/2</a:t>
+              <a:t>2024/5/27</a:t>
             </a:fld>
             <a:endParaRPr kumimoji="1" lang="ja-JP" altLang="en-US"/>
           </a:p>
@@ -1314,7 +1315,7 @@
           <a:p>
             <a:fld id="{73B214E2-DB6C-47F5-AE85-1EAAEE796BFA}" type="datetimeFigureOut">
               <a:rPr kumimoji="1" lang="ja-JP" altLang="en-US" smtClean="0"/>
-              <a:t>2024/8/2</a:t>
+              <a:t>2024/5/27</a:t>
             </a:fld>
             <a:endParaRPr kumimoji="1" lang="ja-JP" altLang="en-US"/>
           </a:p>
@@ -1544,7 +1545,7 @@
           <a:p>
             <a:fld id="{73B214E2-DB6C-47F5-AE85-1EAAEE796BFA}" type="datetimeFigureOut">
               <a:rPr kumimoji="1" lang="ja-JP" altLang="en-US" smtClean="0"/>
-              <a:t>2024/8/2</a:t>
+              <a:t>2024/5/27</a:t>
             </a:fld>
             <a:endParaRPr kumimoji="1" lang="ja-JP" altLang="en-US"/>
           </a:p>
@@ -1819,7 +1820,7 @@
           <a:p>
             <a:fld id="{73B214E2-DB6C-47F5-AE85-1EAAEE796BFA}" type="datetimeFigureOut">
               <a:rPr kumimoji="1" lang="ja-JP" altLang="en-US" smtClean="0"/>
-              <a:t>2024/8/2</a:t>
+              <a:t>2024/5/27</a:t>
             </a:fld>
             <a:endParaRPr kumimoji="1" lang="ja-JP" altLang="en-US"/>
           </a:p>
@@ -2148,7 +2149,7 @@
           <a:p>
             <a:fld id="{73B214E2-DB6C-47F5-AE85-1EAAEE796BFA}" type="datetimeFigureOut">
               <a:rPr kumimoji="1" lang="ja-JP" altLang="en-US" smtClean="0"/>
-              <a:t>2024/8/2</a:t>
+              <a:t>2024/5/27</a:t>
             </a:fld>
             <a:endParaRPr kumimoji="1" lang="ja-JP" altLang="en-US"/>
           </a:p>
@@ -2624,7 +2625,7 @@
           <a:p>
             <a:fld id="{73B214E2-DB6C-47F5-AE85-1EAAEE796BFA}" type="datetimeFigureOut">
               <a:rPr kumimoji="1" lang="ja-JP" altLang="en-US" smtClean="0"/>
-              <a:t>2024/8/2</a:t>
+              <a:t>2024/5/27</a:t>
             </a:fld>
             <a:endParaRPr kumimoji="1" lang="ja-JP" altLang="en-US"/>
           </a:p>
@@ -2765,7 +2766,7 @@
           <a:p>
             <a:fld id="{73B214E2-DB6C-47F5-AE85-1EAAEE796BFA}" type="datetimeFigureOut">
               <a:rPr kumimoji="1" lang="ja-JP" altLang="en-US" smtClean="0"/>
-              <a:t>2024/8/2</a:t>
+              <a:t>2024/5/27</a:t>
             </a:fld>
             <a:endParaRPr kumimoji="1" lang="ja-JP" altLang="en-US"/>
           </a:p>
@@ -2878,7 +2879,7 @@
           <a:p>
             <a:fld id="{73B214E2-DB6C-47F5-AE85-1EAAEE796BFA}" type="datetimeFigureOut">
               <a:rPr kumimoji="1" lang="ja-JP" altLang="en-US" smtClean="0"/>
-              <a:t>2024/8/2</a:t>
+              <a:t>2024/5/27</a:t>
             </a:fld>
             <a:endParaRPr kumimoji="1" lang="ja-JP" altLang="en-US"/>
           </a:p>
@@ -3221,7 +3222,7 @@
           <a:p>
             <a:fld id="{73B214E2-DB6C-47F5-AE85-1EAAEE796BFA}" type="datetimeFigureOut">
               <a:rPr kumimoji="1" lang="ja-JP" altLang="en-US" smtClean="0"/>
-              <a:t>2024/8/2</a:t>
+              <a:t>2024/5/27</a:t>
             </a:fld>
             <a:endParaRPr kumimoji="1" lang="ja-JP" altLang="en-US"/>
           </a:p>
@@ -3509,7 +3510,7 @@
           <a:p>
             <a:fld id="{73B214E2-DB6C-47F5-AE85-1EAAEE796BFA}" type="datetimeFigureOut">
               <a:rPr kumimoji="1" lang="ja-JP" altLang="en-US" smtClean="0"/>
-              <a:t>2024/8/2</a:t>
+              <a:t>2024/5/27</a:t>
             </a:fld>
             <a:endParaRPr kumimoji="1" lang="ja-JP" altLang="en-US"/>
           </a:p>
@@ -3782,7 +3783,7 @@
           <a:p>
             <a:fld id="{73B214E2-DB6C-47F5-AE85-1EAAEE796BFA}" type="datetimeFigureOut">
               <a:rPr kumimoji="1" lang="ja-JP" altLang="en-US" smtClean="0"/>
-              <a:t>2024/8/2</a:t>
+              <a:t>2024/5/27</a:t>
             </a:fld>
             <a:endParaRPr kumimoji="1" lang="ja-JP" altLang="en-US"/>
           </a:p>
@@ -4305,7 +4306,7 @@
         </p:nvSpPr>
         <p:spPr>
           <a:xfrm>
-            <a:off x="-58271" y="990858"/>
+            <a:off x="-58271" y="1008231"/>
             <a:ext cx="12469906" cy="1107996"/>
           </a:xfrm>
           <a:prstGeom prst="rect">
@@ -4325,7 +4326,7 @@
                 <a:latin typeface="BIZ UDPゴシック" panose="020B0400000000000000" pitchFamily="50" charset="-128"/>
                 <a:ea typeface="BIZ UDPゴシック" panose="020B0400000000000000" pitchFamily="50" charset="-128"/>
               </a:rPr>
-              <a:t>多変量解析時系列予測</a:t>
+              <a:t>ニュース等による株価の予測</a:t>
             </a:r>
           </a:p>
         </p:txBody>
@@ -4413,7 +4414,7 @@
         <p:spPr>
           <a:xfrm>
             <a:off x="349623" y="2644170"/>
-            <a:ext cx="11492754" cy="1569660"/>
+            <a:ext cx="11492754" cy="1077218"/>
           </a:xfrm>
           <a:prstGeom prst="rect">
             <a:avLst/>
@@ -4463,8 +4464,9 @@
             <a:r>
               <a:rPr kumimoji="1" lang="en-US" altLang="ja-JP" sz="2800" dirty="0">
                 <a:solidFill>
-                  <a:schemeClr val="bg2">
-                    <a:lumMod val="75000"/>
+                  <a:schemeClr val="tx1">
+                    <a:lumMod val="65000"/>
+                    <a:lumOff val="35000"/>
                   </a:schemeClr>
                 </a:solidFill>
                 <a:latin typeface="BIZ UDPゴシック" panose="020B0400000000000000" pitchFamily="50" charset="-128"/>
@@ -4475,8 +4477,9 @@
             <a:r>
               <a:rPr kumimoji="1" lang="ja-JP" altLang="en-US" sz="2800" dirty="0">
                 <a:solidFill>
-                  <a:schemeClr val="bg2">
-                    <a:lumMod val="75000"/>
+                  <a:schemeClr val="tx1">
+                    <a:lumMod val="65000"/>
+                    <a:lumOff val="35000"/>
                   </a:schemeClr>
                 </a:solidFill>
                 <a:latin typeface="BIZ UDPゴシック" panose="020B0400000000000000" pitchFamily="50" charset="-128"/>
@@ -4487,8 +4490,9 @@
             <a:r>
               <a:rPr kumimoji="1" lang="en-US" altLang="ja-JP" sz="2800" dirty="0">
                 <a:solidFill>
-                  <a:schemeClr val="bg2">
-                    <a:lumMod val="75000"/>
+                  <a:schemeClr val="tx1">
+                    <a:lumMod val="65000"/>
+                    <a:lumOff val="35000"/>
                   </a:schemeClr>
                 </a:solidFill>
                 <a:latin typeface="BIZ UDPゴシック" panose="020B0400000000000000" pitchFamily="50" charset="-128"/>
@@ -4499,8 +4503,9 @@
             <a:r>
               <a:rPr kumimoji="1" lang="en-US" altLang="ja-JP" sz="2000" dirty="0">
                 <a:solidFill>
-                  <a:schemeClr val="bg2">
-                    <a:lumMod val="75000"/>
+                  <a:schemeClr val="tx1">
+                    <a:lumMod val="65000"/>
+                    <a:lumOff val="35000"/>
                   </a:schemeClr>
                 </a:solidFill>
                 <a:latin typeface="BIZ UDPゴシック" panose="020B0400000000000000" pitchFamily="50" charset="-128"/>
@@ -4511,8 +4516,9 @@
             <a:r>
               <a:rPr kumimoji="1" lang="ja-JP" altLang="en-US" sz="2400" dirty="0">
                 <a:solidFill>
-                  <a:schemeClr val="bg2">
-                    <a:lumMod val="75000"/>
+                  <a:schemeClr val="tx1">
+                    <a:lumMod val="65000"/>
+                    <a:lumOff val="35000"/>
                   </a:schemeClr>
                 </a:solidFill>
                 <a:latin typeface="BIZ UDPゴシック" panose="020B0400000000000000" pitchFamily="50" charset="-128"/>
@@ -4523,8 +4529,9 @@
             <a:r>
               <a:rPr kumimoji="1" lang="en-US" altLang="ja-JP" dirty="0">
                 <a:solidFill>
-                  <a:schemeClr val="bg2">
-                    <a:lumMod val="75000"/>
+                  <a:schemeClr val="tx1">
+                    <a:lumMod val="65000"/>
+                    <a:lumOff val="35000"/>
                   </a:schemeClr>
                 </a:solidFill>
                 <a:latin typeface="BIZ UDPゴシック" panose="020B0400000000000000" pitchFamily="50" charset="-128"/>
@@ -4535,8 +4542,9 @@
             <a:r>
               <a:rPr kumimoji="1" lang="ja-JP" altLang="en-US" dirty="0">
                 <a:solidFill>
-                  <a:schemeClr val="bg2">
-                    <a:lumMod val="75000"/>
+                  <a:schemeClr val="tx1">
+                    <a:lumMod val="65000"/>
+                    <a:lumOff val="35000"/>
                   </a:schemeClr>
                 </a:solidFill>
                 <a:latin typeface="BIZ UDPゴシック" panose="020B0400000000000000" pitchFamily="50" charset="-128"/>
@@ -4547,8 +4555,9 @@
             <a:r>
               <a:rPr kumimoji="1" lang="en-US" altLang="ja-JP" dirty="0">
                 <a:solidFill>
-                  <a:schemeClr val="bg2">
-                    <a:lumMod val="75000"/>
+                  <a:schemeClr val="tx1">
+                    <a:lumMod val="65000"/>
+                    <a:lumOff val="35000"/>
                   </a:schemeClr>
                 </a:solidFill>
                 <a:latin typeface="BIZ UDPゴシック" panose="020B0400000000000000" pitchFamily="50" charset="-128"/>
@@ -4558,20 +4567,11 @@
             </a:r>
             <a:endParaRPr kumimoji="1" lang="en-US" altLang="ja-JP" sz="2400" dirty="0">
               <a:solidFill>
-                <a:schemeClr val="bg2">
-                  <a:lumMod val="75000"/>
+                <a:schemeClr val="tx1">
+                  <a:lumMod val="65000"/>
+                  <a:lumOff val="35000"/>
                 </a:schemeClr>
               </a:solidFill>
-              <a:latin typeface="BIZ UDPゴシック" panose="020B0400000000000000" pitchFamily="50" charset="-128"/>
-              <a:ea typeface="BIZ UDPゴシック" panose="020B0400000000000000" pitchFamily="50" charset="-128"/>
-            </a:endParaRPr>
-          </a:p>
-          <a:p>
-            <a:pPr marL="457200" indent="-457200">
-              <a:buFont typeface="Arial" panose="020B0604020202020204" pitchFamily="34" charset="0"/>
-              <a:buChar char="•"/>
-            </a:pPr>
-            <a:endParaRPr kumimoji="1" lang="ja-JP" altLang="en-US" sz="3200" dirty="0">
               <a:latin typeface="BIZ UDPゴシック" panose="020B0400000000000000" pitchFamily="50" charset="-128"/>
               <a:ea typeface="BIZ UDPゴシック" panose="020B0400000000000000" pitchFamily="50" charset="-128"/>
             </a:endParaRPr>
@@ -4787,7 +4787,7 @@
         </p:nvSpPr>
         <p:spPr>
           <a:xfrm rot="20339159">
-            <a:off x="4731122" y="2456174"/>
+            <a:off x="4731122" y="2456173"/>
             <a:ext cx="2030508" cy="878541"/>
           </a:xfrm>
           <a:prstGeom prst="rightArrow">
@@ -4842,7 +4842,7 @@
         </p:nvSpPr>
         <p:spPr>
           <a:xfrm rot="780814">
-            <a:off x="4575779" y="4132768"/>
+            <a:off x="4575779" y="4132767"/>
             <a:ext cx="2030507" cy="878541"/>
           </a:xfrm>
           <a:prstGeom prst="rightArrow">
@@ -4905,7 +4905,7 @@
         </p:blipFill>
         <p:spPr>
           <a:xfrm>
-            <a:off x="6996914" y="997942"/>
+            <a:off x="6996914" y="997941"/>
             <a:ext cx="3138803" cy="1985847"/>
           </a:xfrm>
           <a:prstGeom prst="rect">
@@ -4934,7 +4934,7 @@
         </p:nvSpPr>
         <p:spPr>
           <a:xfrm>
-            <a:off x="6679127" y="362641"/>
+            <a:off x="6679127" y="362640"/>
             <a:ext cx="5190144" cy="523220"/>
           </a:xfrm>
           <a:prstGeom prst="rect">
@@ -4969,56 +4969,21 @@
           </a:p>
         </p:txBody>
       </p:sp>
-      <p:pic>
-        <p:nvPicPr>
-          <p:cNvPr id="13" name="図 12">
-            <a:extLst>
-              <a:ext uri="{FF2B5EF4-FFF2-40B4-BE49-F238E27FC236}">
-                <a16:creationId xmlns:a16="http://schemas.microsoft.com/office/drawing/2014/main" id="{8929FC70-B4F9-4A65-BE1C-75B50A1775B7}"/>
-              </a:ext>
-            </a:extLst>
-          </p:cNvPr>
-          <p:cNvPicPr>
-            <a:picLocks noChangeAspect="1"/>
-          </p:cNvPicPr>
+      <p:sp>
+        <p:nvSpPr>
+          <p:cNvPr id="14" name="テキスト ボックス 13">
+            <a:extLst>
+              <a:ext uri="{FF2B5EF4-FFF2-40B4-BE49-F238E27FC236}">
+                <a16:creationId xmlns:a16="http://schemas.microsoft.com/office/drawing/2014/main" id="{0CA7F96C-BBC8-438C-940B-3DA0483F3C81}"/>
+              </a:ext>
+            </a:extLst>
+          </p:cNvPr>
+          <p:cNvSpPr txBox="1"/>
           <p:nvPr/>
-        </p:nvPicPr>
-        <p:blipFill rotWithShape="1">
-          <a:blip r:embed="rId5">
-            <a:extLst>
-              <a:ext uri="{28A0092B-C50C-407E-A947-70E740481C1C}">
-                <a14:useLocalDpi xmlns:a14="http://schemas.microsoft.com/office/drawing/2010/main" val="0"/>
-              </a:ext>
-            </a:extLst>
-          </a:blip>
-          <a:srcRect b="16678"/>
-          <a:stretch/>
-        </p:blipFill>
+        </p:nvSpPr>
         <p:spPr>
           <a:xfrm>
-            <a:off x="6810199" y="4297425"/>
-            <a:ext cx="2339689" cy="2501814"/>
-          </a:xfrm>
-          <a:prstGeom prst="rect">
-            <a:avLst/>
-          </a:prstGeom>
-        </p:spPr>
-      </p:pic>
-      <p:sp>
-        <p:nvSpPr>
-          <p:cNvPr id="14" name="テキスト ボックス 13">
-            <a:extLst>
-              <a:ext uri="{FF2B5EF4-FFF2-40B4-BE49-F238E27FC236}">
-                <a16:creationId xmlns:a16="http://schemas.microsoft.com/office/drawing/2014/main" id="{0CA7F96C-BBC8-438C-940B-3DA0483F3C81}"/>
-              </a:ext>
-            </a:extLst>
-          </p:cNvPr>
-          <p:cNvSpPr txBox="1"/>
-          <p:nvPr/>
-        </p:nvSpPr>
-        <p:spPr>
-          <a:xfrm>
-            <a:off x="6569205" y="3774205"/>
+            <a:off x="6569205" y="3721885"/>
             <a:ext cx="1882589" cy="523220"/>
           </a:xfrm>
           <a:prstGeom prst="rect">
@@ -5056,7 +5021,7 @@
         </p:nvSpPr>
         <p:spPr>
           <a:xfrm>
-            <a:off x="9247510" y="4297425"/>
+            <a:off x="9247510" y="4297424"/>
             <a:ext cx="2828364" cy="923330"/>
           </a:xfrm>
           <a:prstGeom prst="rect">
@@ -5107,7 +5072,7 @@
         </p:nvSpPr>
         <p:spPr>
           <a:xfrm>
-            <a:off x="9589994" y="4879441"/>
+            <a:off x="9589994" y="4879440"/>
             <a:ext cx="2828364" cy="461665"/>
           </a:xfrm>
           <a:prstGeom prst="rect">
@@ -5220,6 +5185,41 @@
           </a:p>
         </p:txBody>
       </p:sp>
+      <p:pic>
+        <p:nvPicPr>
+          <p:cNvPr id="3" name="図 2">
+            <a:extLst>
+              <a:ext uri="{FF2B5EF4-FFF2-40B4-BE49-F238E27FC236}">
+                <a16:creationId xmlns:a16="http://schemas.microsoft.com/office/drawing/2014/main" id="{6F1EA315-F40B-472F-9580-02B69210A7C6}"/>
+              </a:ext>
+            </a:extLst>
+          </p:cNvPr>
+          <p:cNvPicPr>
+            <a:picLocks noChangeAspect="1"/>
+          </p:cNvPicPr>
+          <p:nvPr/>
+        </p:nvPicPr>
+        <p:blipFill rotWithShape="1">
+          <a:blip r:embed="rId5">
+            <a:extLst>
+              <a:ext uri="{28A0092B-C50C-407E-A947-70E740481C1C}">
+                <a14:useLocalDpi xmlns:a14="http://schemas.microsoft.com/office/drawing/2010/main" val="0"/>
+              </a:ext>
+            </a:extLst>
+          </a:blip>
+          <a:srcRect t="14552" b="45729"/>
+          <a:stretch/>
+        </p:blipFill>
+        <p:spPr>
+          <a:xfrm>
+            <a:off x="6651074" y="4283771"/>
+            <a:ext cx="2596435" cy="2406328"/>
+          </a:xfrm>
+          <a:prstGeom prst="rect">
+            <a:avLst/>
+          </a:prstGeom>
+        </p:spPr>
+      </p:pic>
     </p:spTree>
     <p:extLst>
       <p:ext uri="{BB962C8B-B14F-4D97-AF65-F5344CB8AC3E}">
@@ -5230,6 +5230,334 @@
   <p:clrMapOvr>
     <a:masterClrMapping/>
   </p:clrMapOvr>
+  <p:timing>
+    <p:tnLst>
+      <p:par>
+        <p:cTn id="1" dur="indefinite" restart="never" nodeType="tmRoot">
+          <p:childTnLst>
+            <p:seq concurrent="1" nextAc="seek">
+              <p:cTn id="2" dur="indefinite" nodeType="mainSeq">
+                <p:childTnLst>
+                  <p:par>
+                    <p:cTn id="3" fill="hold">
+                      <p:stCondLst>
+                        <p:cond delay="indefinite"/>
+                      </p:stCondLst>
+                      <p:childTnLst>
+                        <p:par>
+                          <p:cTn id="4" fill="hold">
+                            <p:stCondLst>
+                              <p:cond delay="0"/>
+                            </p:stCondLst>
+                            <p:childTnLst>
+                              <p:par>
+                                <p:cTn id="5" presetID="1" presetClass="entr" presetSubtype="0" fill="hold" grpId="0" nodeType="clickEffect">
+                                  <p:stCondLst>
+                                    <p:cond delay="0"/>
+                                  </p:stCondLst>
+                                  <p:childTnLst>
+                                    <p:set>
+                                      <p:cBhvr>
+                                        <p:cTn id="6" dur="1" fill="hold">
+                                          <p:stCondLst>
+                                            <p:cond delay="0"/>
+                                          </p:stCondLst>
+                                        </p:cTn>
+                                        <p:tgtEl>
+                                          <p:spTgt spid="12"/>
+                                        </p:tgtEl>
+                                        <p:attrNameLst>
+                                          <p:attrName>style.visibility</p:attrName>
+                                        </p:attrNameLst>
+                                      </p:cBhvr>
+                                      <p:to>
+                                        <p:strVal val="visible"/>
+                                      </p:to>
+                                    </p:set>
+                                  </p:childTnLst>
+                                </p:cTn>
+                              </p:par>
+                              <p:par>
+                                <p:cTn id="7" presetID="1" presetClass="entr" presetSubtype="0" fill="hold" nodeType="withEffect">
+                                  <p:stCondLst>
+                                    <p:cond delay="0"/>
+                                  </p:stCondLst>
+                                  <p:childTnLst>
+                                    <p:set>
+                                      <p:cBhvr>
+                                        <p:cTn id="8" dur="1" fill="hold">
+                                          <p:stCondLst>
+                                            <p:cond delay="0"/>
+                                          </p:stCondLst>
+                                        </p:cTn>
+                                        <p:tgtEl>
+                                          <p:spTgt spid="9"/>
+                                        </p:tgtEl>
+                                        <p:attrNameLst>
+                                          <p:attrName>style.visibility</p:attrName>
+                                        </p:attrNameLst>
+                                      </p:cBhvr>
+                                      <p:to>
+                                        <p:strVal val="visible"/>
+                                      </p:to>
+                                    </p:set>
+                                  </p:childTnLst>
+                                </p:cTn>
+                              </p:par>
+                              <p:par>
+                                <p:cTn id="9" presetID="1" presetClass="entr" presetSubtype="0" fill="hold" grpId="0" nodeType="withEffect">
+                                  <p:stCondLst>
+                                    <p:cond delay="0"/>
+                                  </p:stCondLst>
+                                  <p:childTnLst>
+                                    <p:set>
+                                      <p:cBhvr>
+                                        <p:cTn id="10" dur="1" fill="hold">
+                                          <p:stCondLst>
+                                            <p:cond delay="0"/>
+                                          </p:stCondLst>
+                                        </p:cTn>
+                                        <p:tgtEl>
+                                          <p:spTgt spid="8"/>
+                                        </p:tgtEl>
+                                        <p:attrNameLst>
+                                          <p:attrName>style.visibility</p:attrName>
+                                        </p:attrNameLst>
+                                      </p:cBhvr>
+                                      <p:to>
+                                        <p:strVal val="visible"/>
+                                      </p:to>
+                                    </p:set>
+                                  </p:childTnLst>
+                                </p:cTn>
+                              </p:par>
+                              <p:par>
+                                <p:cTn id="11" presetID="1" presetClass="entr" presetSubtype="0" fill="hold" grpId="0" nodeType="withEffect">
+                                  <p:stCondLst>
+                                    <p:cond delay="0"/>
+                                  </p:stCondLst>
+                                  <p:childTnLst>
+                                    <p:set>
+                                      <p:cBhvr>
+                                        <p:cTn id="12" dur="1" fill="hold">
+                                          <p:stCondLst>
+                                            <p:cond delay="0"/>
+                                          </p:stCondLst>
+                                        </p:cTn>
+                                        <p:tgtEl>
+                                          <p:spTgt spid="7"/>
+                                        </p:tgtEl>
+                                        <p:attrNameLst>
+                                          <p:attrName>style.visibility</p:attrName>
+                                        </p:attrNameLst>
+                                      </p:cBhvr>
+                                      <p:to>
+                                        <p:strVal val="visible"/>
+                                      </p:to>
+                                    </p:set>
+                                  </p:childTnLst>
+                                </p:cTn>
+                              </p:par>
+                              <p:par>
+                                <p:cTn id="13" presetID="1" presetClass="entr" presetSubtype="0" fill="hold" nodeType="withEffect">
+                                  <p:stCondLst>
+                                    <p:cond delay="0"/>
+                                  </p:stCondLst>
+                                  <p:childTnLst>
+                                    <p:set>
+                                      <p:cBhvr>
+                                        <p:cTn id="14" dur="1" fill="hold">
+                                          <p:stCondLst>
+                                            <p:cond delay="0"/>
+                                          </p:stCondLst>
+                                        </p:cTn>
+                                        <p:tgtEl>
+                                          <p:spTgt spid="3"/>
+                                        </p:tgtEl>
+                                        <p:attrNameLst>
+                                          <p:attrName>style.visibility</p:attrName>
+                                        </p:attrNameLst>
+                                      </p:cBhvr>
+                                      <p:to>
+                                        <p:strVal val="visible"/>
+                                      </p:to>
+                                    </p:set>
+                                  </p:childTnLst>
+                                </p:cTn>
+                              </p:par>
+                              <p:par>
+                                <p:cTn id="15" presetID="1" presetClass="entr" presetSubtype="0" fill="hold" grpId="0" nodeType="withEffect">
+                                  <p:stCondLst>
+                                    <p:cond delay="0"/>
+                                  </p:stCondLst>
+                                  <p:childTnLst>
+                                    <p:set>
+                                      <p:cBhvr>
+                                        <p:cTn id="16" dur="1" fill="hold">
+                                          <p:stCondLst>
+                                            <p:cond delay="0"/>
+                                          </p:stCondLst>
+                                        </p:cTn>
+                                        <p:tgtEl>
+                                          <p:spTgt spid="14"/>
+                                        </p:tgtEl>
+                                        <p:attrNameLst>
+                                          <p:attrName>style.visibility</p:attrName>
+                                        </p:attrNameLst>
+                                      </p:cBhvr>
+                                      <p:to>
+                                        <p:strVal val="visible"/>
+                                      </p:to>
+                                    </p:set>
+                                  </p:childTnLst>
+                                </p:cTn>
+                              </p:par>
+                              <p:par>
+                                <p:cTn id="17" presetID="1" presetClass="entr" presetSubtype="0" fill="hold" grpId="0" nodeType="withEffect">
+                                  <p:stCondLst>
+                                    <p:cond delay="0"/>
+                                  </p:stCondLst>
+                                  <p:childTnLst>
+                                    <p:set>
+                                      <p:cBhvr>
+                                        <p:cTn id="18" dur="1" fill="hold">
+                                          <p:stCondLst>
+                                            <p:cond delay="0"/>
+                                          </p:stCondLst>
+                                        </p:cTn>
+                                        <p:tgtEl>
+                                          <p:spTgt spid="15"/>
+                                        </p:tgtEl>
+                                        <p:attrNameLst>
+                                          <p:attrName>style.visibility</p:attrName>
+                                        </p:attrNameLst>
+                                      </p:cBhvr>
+                                      <p:to>
+                                        <p:strVal val="visible"/>
+                                      </p:to>
+                                    </p:set>
+                                  </p:childTnLst>
+                                </p:cTn>
+                              </p:par>
+                              <p:par>
+                                <p:cTn id="19" presetID="1" presetClass="entr" presetSubtype="0" fill="hold" grpId="0" nodeType="withEffect">
+                                  <p:stCondLst>
+                                    <p:cond delay="0"/>
+                                  </p:stCondLst>
+                                  <p:childTnLst>
+                                    <p:set>
+                                      <p:cBhvr>
+                                        <p:cTn id="20" dur="1" fill="hold">
+                                          <p:stCondLst>
+                                            <p:cond delay="0"/>
+                                          </p:stCondLst>
+                                        </p:cTn>
+                                        <p:tgtEl>
+                                          <p:spTgt spid="16"/>
+                                        </p:tgtEl>
+                                        <p:attrNameLst>
+                                          <p:attrName>style.visibility</p:attrName>
+                                        </p:attrNameLst>
+                                      </p:cBhvr>
+                                      <p:to>
+                                        <p:strVal val="visible"/>
+                                      </p:to>
+                                    </p:set>
+                                  </p:childTnLst>
+                                </p:cTn>
+                              </p:par>
+                              <p:par>
+                                <p:cTn id="21" presetID="1" presetClass="entr" presetSubtype="0" fill="hold" grpId="0" nodeType="withEffect">
+                                  <p:stCondLst>
+                                    <p:cond delay="0"/>
+                                  </p:stCondLst>
+                                  <p:childTnLst>
+                                    <p:set>
+                                      <p:cBhvr>
+                                        <p:cTn id="22" dur="1" fill="hold">
+                                          <p:stCondLst>
+                                            <p:cond delay="0"/>
+                                          </p:stCondLst>
+                                        </p:cTn>
+                                        <p:tgtEl>
+                                          <p:spTgt spid="17"/>
+                                        </p:tgtEl>
+                                        <p:attrNameLst>
+                                          <p:attrName>style.visibility</p:attrName>
+                                        </p:attrNameLst>
+                                      </p:cBhvr>
+                                      <p:to>
+                                        <p:strVal val="visible"/>
+                                      </p:to>
+                                    </p:set>
+                                  </p:childTnLst>
+                                </p:cTn>
+                              </p:par>
+                              <p:par>
+                                <p:cTn id="23" presetID="1" presetClass="entr" presetSubtype="0" fill="hold" grpId="0" nodeType="withEffect">
+                                  <p:stCondLst>
+                                    <p:cond delay="0"/>
+                                  </p:stCondLst>
+                                  <p:childTnLst>
+                                    <p:set>
+                                      <p:cBhvr>
+                                        <p:cTn id="24" dur="1" fill="hold">
+                                          <p:stCondLst>
+                                            <p:cond delay="0"/>
+                                          </p:stCondLst>
+                                        </p:cTn>
+                                        <p:tgtEl>
+                                          <p:spTgt spid="18"/>
+                                        </p:tgtEl>
+                                        <p:attrNameLst>
+                                          <p:attrName>style.visibility</p:attrName>
+                                        </p:attrNameLst>
+                                      </p:cBhvr>
+                                      <p:to>
+                                        <p:strVal val="visible"/>
+                                      </p:to>
+                                    </p:set>
+                                  </p:childTnLst>
+                                </p:cTn>
+                              </p:par>
+                            </p:childTnLst>
+                          </p:cTn>
+                        </p:par>
+                      </p:childTnLst>
+                    </p:cTn>
+                  </p:par>
+                </p:childTnLst>
+              </p:cTn>
+              <p:prevCondLst>
+                <p:cond evt="onPrev" delay="0">
+                  <p:tgtEl>
+                    <p:sldTgt/>
+                  </p:tgtEl>
+                </p:cond>
+              </p:prevCondLst>
+              <p:nextCondLst>
+                <p:cond evt="onNext" delay="0">
+                  <p:tgtEl>
+                    <p:sldTgt/>
+                  </p:tgtEl>
+                </p:cond>
+              </p:nextCondLst>
+            </p:seq>
+          </p:childTnLst>
+        </p:cTn>
+      </p:par>
+    </p:tnLst>
+    <p:bldLst>
+      <p:bldP spid="8" grpId="0" animBg="1"/>
+      <p:bldP spid="7" grpId="0" animBg="1"/>
+      <p:bldP spid="12" grpId="0"/>
+      <p:bldP spid="14" grpId="0"/>
+      <p:bldP spid="15" grpId="0"/>
+      <p:bldP spid="16" grpId="0"/>
+      <p:bldP spid="17" grpId="0"/>
+      <p:bldP spid="18" grpId="0"/>
+    </p:bldLst>
+  </p:timing>
 </p:sld>
 </file>
 
@@ -5255,7 +5583,7 @@
           <p:cNvPr id="4" name="タイトル 1">
             <a:extLst>
               <a:ext uri="{FF2B5EF4-FFF2-40B4-BE49-F238E27FC236}">
-                <a16:creationId xmlns:a16="http://schemas.microsoft.com/office/drawing/2014/main" id="{99B3403E-6F46-4BB4-B559-0F0FB82BC362}"/>
+                <a16:creationId xmlns:a16="http://schemas.microsoft.com/office/drawing/2014/main" id="{AC6BB628-D2CF-46FF-910C-D71CC2DCFB06}"/>
               </a:ext>
             </a:extLst>
           </p:cNvPr>
@@ -5292,12 +5620,47 @@
           </a:p>
         </p:txBody>
       </p:sp>
-      <p:sp>
-        <p:nvSpPr>
-          <p:cNvPr id="5" name="テキスト ボックス 4">
-            <a:extLst>
-              <a:ext uri="{FF2B5EF4-FFF2-40B4-BE49-F238E27FC236}">
-                <a16:creationId xmlns:a16="http://schemas.microsoft.com/office/drawing/2014/main" id="{C5EE0FC2-147E-4412-9807-41B0601799BD}"/>
+      <p:pic>
+        <p:nvPicPr>
+          <p:cNvPr id="6" name="図 5">
+            <a:extLst>
+              <a:ext uri="{FF2B5EF4-FFF2-40B4-BE49-F238E27FC236}">
+                <a16:creationId xmlns:a16="http://schemas.microsoft.com/office/drawing/2014/main" id="{374D4BFF-4620-4301-A6ED-33C2ED210E27}"/>
+              </a:ext>
+            </a:extLst>
+          </p:cNvPr>
+          <p:cNvPicPr>
+            <a:picLocks noChangeAspect="1"/>
+          </p:cNvPicPr>
+          <p:nvPr/>
+        </p:nvPicPr>
+        <p:blipFill rotWithShape="1">
+          <a:blip r:embed="rId2">
+            <a:extLst>
+              <a:ext uri="{28A0092B-C50C-407E-A947-70E740481C1C}">
+                <a14:useLocalDpi xmlns:a14="http://schemas.microsoft.com/office/drawing/2010/main" val="0"/>
+              </a:ext>
+            </a:extLst>
+          </a:blip>
+          <a:srcRect l="1" t="2449" r="-142" b="26185"/>
+          <a:stretch/>
+        </p:blipFill>
+        <p:spPr>
+          <a:xfrm>
+            <a:off x="1590997" y="1493464"/>
+            <a:ext cx="2943296" cy="4894294"/>
+          </a:xfrm>
+          <a:prstGeom prst="rect">
+            <a:avLst/>
+          </a:prstGeom>
+        </p:spPr>
+      </p:pic>
+      <p:sp>
+        <p:nvSpPr>
+          <p:cNvPr id="7" name="テキスト ボックス 6">
+            <a:extLst>
+              <a:ext uri="{FF2B5EF4-FFF2-40B4-BE49-F238E27FC236}">
+                <a16:creationId xmlns:a16="http://schemas.microsoft.com/office/drawing/2014/main" id="{B4D84367-1960-4A7A-B485-9CB41AA77A0E}"/>
               </a:ext>
             </a:extLst>
           </p:cNvPr>
@@ -5306,8 +5669,8 @@
         </p:nvSpPr>
         <p:spPr>
           <a:xfrm>
-            <a:off x="2303073" y="2155095"/>
-            <a:ext cx="9122214" cy="1938992"/>
+            <a:off x="4958499" y="3478945"/>
+            <a:ext cx="7362334" cy="461665"/>
           </a:xfrm>
           <a:prstGeom prst="rect">
             <a:avLst/>
@@ -5325,81 +5688,68 @@
                 <a:latin typeface="BIZ UDPゴシック" panose="020B0400000000000000" pitchFamily="50" charset="-128"/>
                 <a:ea typeface="BIZ UDPゴシック" panose="020B0400000000000000" pitchFamily="50" charset="-128"/>
               </a:rPr>
-              <a:t>株価の変動を予測</a:t>
-            </a:r>
-            <a:endParaRPr kumimoji="1" lang="en-US" altLang="ja-JP" sz="2400" dirty="0">
+              <a:t>実際に</a:t>
+            </a:r>
+            <a:r>
+              <a:rPr kumimoji="1" lang="ja-JP" altLang="en-US" sz="2400" dirty="0" err="1">
+                <a:latin typeface="BIZ UDPゴシック" panose="020B0400000000000000" pitchFamily="50" charset="-128"/>
+                <a:ea typeface="BIZ UDPゴシック" panose="020B0400000000000000" pitchFamily="50" charset="-128"/>
+              </a:rPr>
+              <a:t>めっちゃ</a:t>
+            </a:r>
+            <a:r>
+              <a:rPr kumimoji="1" lang="ja-JP" altLang="en-US" sz="2400" dirty="0">
+                <a:latin typeface="BIZ UDPゴシック" panose="020B0400000000000000" pitchFamily="50" charset="-128"/>
+                <a:ea typeface="BIZ UDPゴシック" panose="020B0400000000000000" pitchFamily="50" charset="-128"/>
+              </a:rPr>
+              <a:t>上がった</a:t>
+            </a:r>
+            <a:r>
+              <a:rPr kumimoji="1" lang="en-US" altLang="ja-JP" sz="2400" dirty="0">
+                <a:latin typeface="BIZ UDPゴシック" panose="020B0400000000000000" pitchFamily="50" charset="-128"/>
+                <a:ea typeface="BIZ UDPゴシック" panose="020B0400000000000000" pitchFamily="50" charset="-128"/>
+              </a:rPr>
+              <a:t>(</a:t>
+            </a:r>
+            <a:r>
+              <a:rPr kumimoji="1" lang="ja-JP" altLang="en-US" sz="2400" dirty="0">
+                <a:latin typeface="BIZ UDPゴシック" panose="020B0400000000000000" pitchFamily="50" charset="-128"/>
+                <a:ea typeface="BIZ UDPゴシック" panose="020B0400000000000000" pitchFamily="50" charset="-128"/>
+              </a:rPr>
+              <a:t>前日比</a:t>
+            </a:r>
+            <a:r>
+              <a:rPr kumimoji="1" lang="en-US" altLang="ja-JP" sz="2400" dirty="0">
+                <a:latin typeface="BIZ UDPゴシック" panose="020B0400000000000000" pitchFamily="50" charset="-128"/>
+                <a:ea typeface="BIZ UDPゴシック" panose="020B0400000000000000" pitchFamily="50" charset="-128"/>
+              </a:rPr>
+              <a:t>+10%)(</a:t>
+            </a:r>
+            <a:r>
+              <a:rPr kumimoji="1" lang="ja-JP" altLang="en-US" sz="2400" dirty="0">
+                <a:latin typeface="BIZ UDPゴシック" panose="020B0400000000000000" pitchFamily="50" charset="-128"/>
+                <a:ea typeface="BIZ UDPゴシック" panose="020B0400000000000000" pitchFamily="50" charset="-128"/>
+              </a:rPr>
+              <a:t>うれしい</a:t>
+            </a:r>
+            <a:r>
+              <a:rPr kumimoji="1" lang="en-US" altLang="ja-JP" sz="2400" dirty="0">
+                <a:latin typeface="BIZ UDPゴシック" panose="020B0400000000000000" pitchFamily="50" charset="-128"/>
+                <a:ea typeface="BIZ UDPゴシック" panose="020B0400000000000000" pitchFamily="50" charset="-128"/>
+              </a:rPr>
+              <a:t>)</a:t>
+            </a:r>
+            <a:endParaRPr kumimoji="1" lang="ja-JP" altLang="en-US" sz="2400" dirty="0">
               <a:latin typeface="BIZ UDPゴシック" panose="020B0400000000000000" pitchFamily="50" charset="-128"/>
               <a:ea typeface="BIZ UDPゴシック" panose="020B0400000000000000" pitchFamily="50" charset="-128"/>
             </a:endParaRPr>
           </a:p>
-          <a:p>
-            <a:r>
-              <a:rPr lang="ja-JP" altLang="en-US" sz="2400" dirty="0">
-                <a:latin typeface="BIZ UDPゴシック" panose="020B0400000000000000" pitchFamily="50" charset="-128"/>
-                <a:ea typeface="BIZ UDPゴシック" panose="020B0400000000000000" pitchFamily="50" charset="-128"/>
-              </a:rPr>
-              <a:t>時系列予測モデル</a:t>
-            </a:r>
-            <a:endParaRPr lang="en-US" altLang="ja-JP" sz="2400" dirty="0">
-              <a:latin typeface="BIZ UDPゴシック" panose="020B0400000000000000" pitchFamily="50" charset="-128"/>
-              <a:ea typeface="BIZ UDPゴシック" panose="020B0400000000000000" pitchFamily="50" charset="-128"/>
-            </a:endParaRPr>
-          </a:p>
-          <a:p>
-            <a:endParaRPr kumimoji="1" lang="en-US" altLang="ja-JP" sz="2400" dirty="0">
-              <a:latin typeface="BIZ UDPゴシック" panose="020B0400000000000000" pitchFamily="50" charset="-128"/>
-              <a:ea typeface="BIZ UDPゴシック" panose="020B0400000000000000" pitchFamily="50" charset="-128"/>
-            </a:endParaRPr>
-          </a:p>
-          <a:p>
-            <a:r>
-              <a:rPr lang="ja-JP" altLang="en-US" sz="2400" dirty="0">
-                <a:latin typeface="BIZ UDPゴシック" panose="020B0400000000000000" pitchFamily="50" charset="-128"/>
-                <a:ea typeface="BIZ UDPゴシック" panose="020B0400000000000000" pitchFamily="50" charset="-128"/>
-              </a:rPr>
-              <a:t>モデルにニュースの文章をそのまま入れるのは不可能</a:t>
-            </a:r>
-            <a:endParaRPr lang="en-US" altLang="ja-JP" sz="2400" dirty="0">
-              <a:latin typeface="BIZ UDPゴシック" panose="020B0400000000000000" pitchFamily="50" charset="-128"/>
-              <a:ea typeface="BIZ UDPゴシック" panose="020B0400000000000000" pitchFamily="50" charset="-128"/>
-            </a:endParaRPr>
-          </a:p>
-          <a:p>
-            <a:r>
-              <a:rPr kumimoji="1" lang="ja-JP" altLang="en-US" sz="2400" dirty="0">
-                <a:latin typeface="BIZ UDPゴシック" panose="020B0400000000000000" pitchFamily="50" charset="-128"/>
-                <a:ea typeface="BIZ UDPゴシック" panose="020B0400000000000000" pitchFamily="50" charset="-128"/>
-              </a:rPr>
-              <a:t>ニュースの文章を</a:t>
-            </a:r>
-            <a:r>
-              <a:rPr kumimoji="1" lang="en-US" altLang="ja-JP" sz="2400" dirty="0">
-                <a:latin typeface="BIZ UDPゴシック" panose="020B0400000000000000" pitchFamily="50" charset="-128"/>
-                <a:ea typeface="BIZ UDPゴシック" panose="020B0400000000000000" pitchFamily="50" charset="-128"/>
-              </a:rPr>
-              <a:t>5</a:t>
-            </a:r>
-            <a:r>
-              <a:rPr kumimoji="1" lang="ja-JP" altLang="en-US" sz="2400" dirty="0" err="1">
-                <a:latin typeface="BIZ UDPゴシック" panose="020B0400000000000000" pitchFamily="50" charset="-128"/>
-                <a:ea typeface="BIZ UDPゴシック" panose="020B0400000000000000" pitchFamily="50" charset="-128"/>
-              </a:rPr>
-              <a:t>つの</a:t>
-            </a:r>
-            <a:r>
-              <a:rPr kumimoji="1" lang="ja-JP" altLang="en-US" sz="2400" dirty="0">
-                <a:latin typeface="BIZ UDPゴシック" panose="020B0400000000000000" pitchFamily="50" charset="-128"/>
-                <a:ea typeface="BIZ UDPゴシック" panose="020B0400000000000000" pitchFamily="50" charset="-128"/>
-              </a:rPr>
-              <a:t>感情パラメータに振り分ける</a:t>
-            </a:r>
-          </a:p>
         </p:txBody>
       </p:sp>
     </p:spTree>
     <p:extLst>
       <p:ext uri="{BB962C8B-B14F-4D97-AF65-F5344CB8AC3E}">
-        <p14:creationId xmlns:p14="http://schemas.microsoft.com/office/powerpoint/2010/main" val="2996474779"/>
+        <p14:creationId xmlns:p14="http://schemas.microsoft.com/office/powerpoint/2010/main" val="4048637513"/>
       </p:ext>
     </p:extLst>
   </p:cSld>
@@ -5428,10 +5778,10 @@
       </p:grpSpPr>
       <p:sp>
         <p:nvSpPr>
-          <p:cNvPr id="2" name="タイトル 1">
-            <a:extLst>
-              <a:ext uri="{FF2B5EF4-FFF2-40B4-BE49-F238E27FC236}">
-                <a16:creationId xmlns:a16="http://schemas.microsoft.com/office/drawing/2014/main" id="{82654784-CE29-455D-9E64-22CA513C696C}"/>
+          <p:cNvPr id="4" name="タイトル 1">
+            <a:extLst>
+              <a:ext uri="{FF2B5EF4-FFF2-40B4-BE49-F238E27FC236}">
+                <a16:creationId xmlns:a16="http://schemas.microsoft.com/office/drawing/2014/main" id="{99B3403E-6F46-4BB4-B559-0F0FB82BC362}"/>
               </a:ext>
             </a:extLst>
           </p:cNvPr>
@@ -5444,7 +5794,7 @@
         </p:nvSpPr>
         <p:spPr>
           <a:xfrm>
-            <a:off x="488576" y="176866"/>
+            <a:off x="488576" y="167901"/>
             <a:ext cx="10515600" cy="1325563"/>
           </a:xfrm>
         </p:spPr>
@@ -5455,21 +5805,25 @@
           <a:lstStyle/>
           <a:p>
             <a:r>
-              <a:rPr kumimoji="1" lang="ja-JP" altLang="en-US" sz="7200" b="1" dirty="0">
-                <a:latin typeface="BIZ UDPゴシック" panose="020B0400000000000000" pitchFamily="50" charset="-128"/>
-                <a:ea typeface="BIZ UDPゴシック" panose="020B0400000000000000" pitchFamily="50" charset="-128"/>
-              </a:rPr>
-              <a:t>スケジュール・役割分担</a:t>
-            </a:r>
-          </a:p>
-        </p:txBody>
-      </p:sp>
-      <p:sp>
-        <p:nvSpPr>
-          <p:cNvPr id="3" name="テキスト ボックス 2">
-            <a:extLst>
-              <a:ext uri="{FF2B5EF4-FFF2-40B4-BE49-F238E27FC236}">
-                <a16:creationId xmlns:a16="http://schemas.microsoft.com/office/drawing/2014/main" id="{8F0362D3-18B0-4CC8-B306-5883C13C1D4B}"/>
+              <a:rPr lang="ja-JP" altLang="en-US" sz="7200" b="1" dirty="0">
+                <a:latin typeface="BIZ UDPゴシック" panose="020B0400000000000000" pitchFamily="50" charset="-128"/>
+                <a:ea typeface="BIZ UDPゴシック" panose="020B0400000000000000" pitchFamily="50" charset="-128"/>
+              </a:rPr>
+              <a:t>概要</a:t>
+            </a:r>
+            <a:endParaRPr kumimoji="1" lang="ja-JP" altLang="en-US" sz="7200" b="1" dirty="0">
+              <a:latin typeface="BIZ UDPゴシック" panose="020B0400000000000000" pitchFamily="50" charset="-128"/>
+              <a:ea typeface="BIZ UDPゴシック" panose="020B0400000000000000" pitchFamily="50" charset="-128"/>
+            </a:endParaRPr>
+          </a:p>
+        </p:txBody>
+      </p:sp>
+      <p:sp>
+        <p:nvSpPr>
+          <p:cNvPr id="5" name="テキスト ボックス 4">
+            <a:extLst>
+              <a:ext uri="{FF2B5EF4-FFF2-40B4-BE49-F238E27FC236}">
+                <a16:creationId xmlns:a16="http://schemas.microsoft.com/office/drawing/2014/main" id="{C5EE0FC2-147E-4412-9807-41B0601799BD}"/>
               </a:ext>
             </a:extLst>
           </p:cNvPr>
@@ -5478,8 +5832,8 @@
         </p:nvSpPr>
         <p:spPr>
           <a:xfrm>
-            <a:off x="837308" y="2853206"/>
-            <a:ext cx="5972198" cy="2123658"/>
+            <a:off x="1127235" y="2151727"/>
+            <a:ext cx="10411173" cy="3539430"/>
           </a:xfrm>
           <a:prstGeom prst="rect">
             <a:avLst/>
@@ -5492,212 +5846,113 @@
           </a:bodyPr>
           <a:lstStyle/>
           <a:p>
-            <a:r>
-              <a:rPr kumimoji="1" lang="en-US" altLang="ja-JP" sz="4400" dirty="0">
-                <a:latin typeface="BIZ UDPゴシック" panose="020B0400000000000000" pitchFamily="50" charset="-128"/>
-                <a:ea typeface="BIZ UDPゴシック" panose="020B0400000000000000" pitchFamily="50" charset="-128"/>
-              </a:rPr>
-              <a:t>6</a:t>
-            </a:r>
-            <a:r>
-              <a:rPr kumimoji="1" lang="ja-JP" altLang="en-US" sz="4400" dirty="0">
-                <a:latin typeface="BIZ UDPゴシック" panose="020B0400000000000000" pitchFamily="50" charset="-128"/>
-                <a:ea typeface="BIZ UDPゴシック" panose="020B0400000000000000" pitchFamily="50" charset="-128"/>
-              </a:rPr>
-              <a:t>月中 </a:t>
-            </a:r>
-            <a:r>
-              <a:rPr kumimoji="1" lang="en-US" altLang="ja-JP" sz="4400" dirty="0">
-                <a:latin typeface="BIZ UDPゴシック" panose="020B0400000000000000" pitchFamily="50" charset="-128"/>
-                <a:ea typeface="BIZ UDPゴシック" panose="020B0400000000000000" pitchFamily="50" charset="-128"/>
-              </a:rPr>
-              <a:t>: </a:t>
-            </a:r>
-          </a:p>
-          <a:p>
-            <a:r>
-              <a:rPr lang="en-US" altLang="ja-JP" sz="4400" dirty="0">
-                <a:latin typeface="BIZ UDPゴシック" panose="020B0400000000000000" pitchFamily="50" charset="-128"/>
-                <a:ea typeface="BIZ UDPゴシック" panose="020B0400000000000000" pitchFamily="50" charset="-128"/>
-              </a:rPr>
-              <a:t>7</a:t>
-            </a:r>
-            <a:r>
-              <a:rPr lang="ja-JP" altLang="en-US" sz="4400" dirty="0">
-                <a:latin typeface="BIZ UDPゴシック" panose="020B0400000000000000" pitchFamily="50" charset="-128"/>
-                <a:ea typeface="BIZ UDPゴシック" panose="020B0400000000000000" pitchFamily="50" charset="-128"/>
-              </a:rPr>
-              <a:t>月中 </a:t>
-            </a:r>
-            <a:r>
-              <a:rPr lang="en-US" altLang="ja-JP" sz="4400" dirty="0">
-                <a:latin typeface="BIZ UDPゴシック" panose="020B0400000000000000" pitchFamily="50" charset="-128"/>
-                <a:ea typeface="BIZ UDPゴシック" panose="020B0400000000000000" pitchFamily="50" charset="-128"/>
-              </a:rPr>
-              <a:t>: </a:t>
-            </a:r>
-            <a:r>
-              <a:rPr lang="ja-JP" altLang="en-US" sz="4400" dirty="0">
-                <a:latin typeface="BIZ UDPゴシック" panose="020B0400000000000000" pitchFamily="50" charset="-128"/>
-                <a:ea typeface="BIZ UDPゴシック" panose="020B0400000000000000" pitchFamily="50" charset="-128"/>
-              </a:rPr>
-              <a:t>モデルの選定</a:t>
-            </a:r>
-            <a:endParaRPr lang="en-US" altLang="ja-JP" sz="4400" dirty="0">
+            <a:pPr marL="457200" indent="-457200">
+              <a:buFont typeface="Arial" panose="020B0604020202020204" pitchFamily="34" charset="0"/>
+              <a:buChar char="•"/>
+            </a:pPr>
+            <a:r>
+              <a:rPr lang="ja-JP" altLang="en-US" sz="3200" dirty="0">
+                <a:latin typeface="BIZ UDPゴシック" panose="020B0400000000000000" pitchFamily="50" charset="-128"/>
+                <a:ea typeface="BIZ UDPゴシック" panose="020B0400000000000000" pitchFamily="50" charset="-128"/>
+              </a:rPr>
+              <a:t>時系列予測モデルを用いて株価の変動を予測</a:t>
+            </a:r>
+            <a:endParaRPr lang="en-US" altLang="ja-JP" sz="3200" dirty="0">
               <a:latin typeface="BIZ UDPゴシック" panose="020B0400000000000000" pitchFamily="50" charset="-128"/>
               <a:ea typeface="BIZ UDPゴシック" panose="020B0400000000000000" pitchFamily="50" charset="-128"/>
             </a:endParaRPr>
           </a:p>
           <a:p>
-            <a:r>
-              <a:rPr lang="en-US" altLang="ja-JP" sz="4400" dirty="0">
-                <a:latin typeface="BIZ UDPゴシック" panose="020B0400000000000000" pitchFamily="50" charset="-128"/>
-                <a:ea typeface="BIZ UDPゴシック" panose="020B0400000000000000" pitchFamily="50" charset="-128"/>
-              </a:rPr>
-              <a:t>8</a:t>
-            </a:r>
-            <a:r>
-              <a:rPr lang="ja-JP" altLang="en-US" sz="4400" dirty="0">
-                <a:latin typeface="BIZ UDPゴシック" panose="020B0400000000000000" pitchFamily="50" charset="-128"/>
-                <a:ea typeface="BIZ UDPゴシック" panose="020B0400000000000000" pitchFamily="50" charset="-128"/>
-              </a:rPr>
-              <a:t>月中 </a:t>
-            </a:r>
-            <a:r>
-              <a:rPr lang="en-US" altLang="ja-JP" sz="4400" dirty="0">
-                <a:latin typeface="BIZ UDPゴシック" panose="020B0400000000000000" pitchFamily="50" charset="-128"/>
-                <a:ea typeface="BIZ UDPゴシック" panose="020B0400000000000000" pitchFamily="50" charset="-128"/>
-              </a:rPr>
-              <a:t>: </a:t>
-            </a:r>
-            <a:r>
-              <a:rPr lang="ja-JP" altLang="en-US" sz="4400" dirty="0">
-                <a:latin typeface="BIZ UDPゴシック" panose="020B0400000000000000" pitchFamily="50" charset="-128"/>
-                <a:ea typeface="BIZ UDPゴシック" panose="020B0400000000000000" pitchFamily="50" charset="-128"/>
-              </a:rPr>
-              <a:t>学習</a:t>
-            </a:r>
-            <a:endParaRPr kumimoji="1" lang="en-US" altLang="ja-JP" sz="4400" dirty="0">
+            <a:pPr marL="457200" indent="-457200">
+              <a:buFont typeface="Arial" panose="020B0604020202020204" pitchFamily="34" charset="0"/>
+              <a:buChar char="•"/>
+            </a:pPr>
+            <a:r>
+              <a:rPr lang="en-US" altLang="ja-JP" sz="3200" dirty="0">
+                <a:latin typeface="BIZ UDPゴシック" panose="020B0400000000000000" pitchFamily="50" charset="-128"/>
+                <a:ea typeface="BIZ UDPゴシック" panose="020B0400000000000000" pitchFamily="50" charset="-128"/>
+              </a:rPr>
+              <a:t>S&amp;P500</a:t>
+            </a:r>
+            <a:r>
+              <a:rPr lang="ja-JP" altLang="en-US" sz="3200" dirty="0">
+                <a:latin typeface="BIZ UDPゴシック" panose="020B0400000000000000" pitchFamily="50" charset="-128"/>
+                <a:ea typeface="BIZ UDPゴシック" panose="020B0400000000000000" pitchFamily="50" charset="-128"/>
+              </a:rPr>
+              <a:t>の会社の株価を予測して上がり幅が大きいものを買えば効率よく資産形成ができるはず</a:t>
+            </a:r>
+            <a:endParaRPr lang="en-US" altLang="ja-JP" sz="3200" dirty="0">
               <a:latin typeface="BIZ UDPゴシック" panose="020B0400000000000000" pitchFamily="50" charset="-128"/>
               <a:ea typeface="BIZ UDPゴシック" panose="020B0400000000000000" pitchFamily="50" charset="-128"/>
             </a:endParaRPr>
           </a:p>
-        </p:txBody>
-      </p:sp>
-      <p:sp>
-        <p:nvSpPr>
-          <p:cNvPr id="4" name="テキスト ボックス 3">
-            <a:extLst>
-              <a:ext uri="{FF2B5EF4-FFF2-40B4-BE49-F238E27FC236}">
-                <a16:creationId xmlns:a16="http://schemas.microsoft.com/office/drawing/2014/main" id="{04BD8148-255A-403B-B87B-C97D05B5FE32}"/>
-              </a:ext>
-            </a:extLst>
-          </p:cNvPr>
-          <p:cNvSpPr txBox="1"/>
-          <p:nvPr/>
-        </p:nvSpPr>
-        <p:spPr>
-          <a:xfrm>
-            <a:off x="7145412" y="2853206"/>
-            <a:ext cx="4916290" cy="2123658"/>
-          </a:xfrm>
-          <a:prstGeom prst="rect">
-            <a:avLst/>
-          </a:prstGeom>
-          <a:noFill/>
-        </p:spPr>
-        <p:txBody>
-          <a:bodyPr wrap="square" rtlCol="0">
-            <a:spAutoFit/>
-          </a:bodyPr>
-          <a:lstStyle/>
-          <a:p>
-            <a:r>
-              <a:rPr kumimoji="1" lang="ja-JP" altLang="en-US" sz="4400" dirty="0">
-                <a:latin typeface="BIZ UDPゴシック" panose="020B0400000000000000" pitchFamily="50" charset="-128"/>
-                <a:ea typeface="BIZ UDPゴシック" panose="020B0400000000000000" pitchFamily="50" charset="-128"/>
-              </a:rPr>
-              <a:t>担当 </a:t>
-            </a:r>
-            <a:r>
-              <a:rPr kumimoji="1" lang="en-US" altLang="ja-JP" sz="4400" dirty="0">
-                <a:latin typeface="BIZ UDPゴシック" panose="020B0400000000000000" pitchFamily="50" charset="-128"/>
-                <a:ea typeface="BIZ UDPゴシック" panose="020B0400000000000000" pitchFamily="50" charset="-128"/>
-              </a:rPr>
-              <a:t>: </a:t>
-            </a:r>
-            <a:r>
-              <a:rPr kumimoji="1" lang="ja-JP" altLang="en-US" sz="4400" dirty="0">
-                <a:latin typeface="BIZ UDPゴシック" panose="020B0400000000000000" pitchFamily="50" charset="-128"/>
-                <a:ea typeface="BIZ UDPゴシック" panose="020B0400000000000000" pitchFamily="50" charset="-128"/>
-              </a:rPr>
-              <a:t>下沢</a:t>
-            </a:r>
-            <a:endParaRPr kumimoji="1" lang="en-US" altLang="ja-JP" sz="4400" dirty="0">
+          <a:p>
+            <a:pPr marL="457200" indent="-457200">
+              <a:buFont typeface="Arial" panose="020B0604020202020204" pitchFamily="34" charset="0"/>
+              <a:buChar char="•"/>
+            </a:pPr>
+            <a:endParaRPr kumimoji="1" lang="en-US" altLang="ja-JP" sz="3200" dirty="0">
               <a:latin typeface="BIZ UDPゴシック" panose="020B0400000000000000" pitchFamily="50" charset="-128"/>
               <a:ea typeface="BIZ UDPゴシック" panose="020B0400000000000000" pitchFamily="50" charset="-128"/>
             </a:endParaRPr>
           </a:p>
           <a:p>
-            <a:r>
-              <a:rPr lang="ja-JP" altLang="en-US" sz="4400" dirty="0">
-                <a:latin typeface="BIZ UDPゴシック" panose="020B0400000000000000" pitchFamily="50" charset="-128"/>
-                <a:ea typeface="BIZ UDPゴシック" panose="020B0400000000000000" pitchFamily="50" charset="-128"/>
-              </a:rPr>
-              <a:t>担当 </a:t>
-            </a:r>
-            <a:r>
-              <a:rPr lang="en-US" altLang="ja-JP" sz="4400" dirty="0">
-                <a:latin typeface="BIZ UDPゴシック" panose="020B0400000000000000" pitchFamily="50" charset="-128"/>
-                <a:ea typeface="BIZ UDPゴシック" panose="020B0400000000000000" pitchFamily="50" charset="-128"/>
-              </a:rPr>
-              <a:t>: </a:t>
-            </a:r>
-            <a:r>
-              <a:rPr lang="ja-JP" altLang="en-US" sz="4400" dirty="0">
-                <a:latin typeface="BIZ UDPゴシック" panose="020B0400000000000000" pitchFamily="50" charset="-128"/>
-                <a:ea typeface="BIZ UDPゴシック" panose="020B0400000000000000" pitchFamily="50" charset="-128"/>
-              </a:rPr>
-              <a:t>下沢</a:t>
-            </a:r>
-            <a:endParaRPr lang="en-US" altLang="ja-JP" sz="4400" dirty="0">
+            <a:pPr marL="457200" indent="-457200">
+              <a:buFont typeface="Arial" panose="020B0604020202020204" pitchFamily="34" charset="0"/>
+              <a:buChar char="•"/>
+            </a:pPr>
+            <a:r>
+              <a:rPr lang="ja-JP" altLang="en-US" sz="3200" dirty="0">
+                <a:latin typeface="BIZ UDPゴシック" panose="020B0400000000000000" pitchFamily="50" charset="-128"/>
+                <a:ea typeface="BIZ UDPゴシック" panose="020B0400000000000000" pitchFamily="50" charset="-128"/>
+              </a:rPr>
+              <a:t>モデルにニュースの文章をそのまま入れるのは不可能</a:t>
+            </a:r>
+            <a:endParaRPr lang="en-US" altLang="ja-JP" sz="3200" dirty="0">
               <a:latin typeface="BIZ UDPゴシック" panose="020B0400000000000000" pitchFamily="50" charset="-128"/>
               <a:ea typeface="BIZ UDPゴシック" panose="020B0400000000000000" pitchFamily="50" charset="-128"/>
             </a:endParaRPr>
           </a:p>
           <a:p>
-            <a:r>
-              <a:rPr lang="ja-JP" altLang="en-US" sz="4400" dirty="0">
-                <a:latin typeface="BIZ UDPゴシック" panose="020B0400000000000000" pitchFamily="50" charset="-128"/>
-                <a:ea typeface="BIZ UDPゴシック" panose="020B0400000000000000" pitchFamily="50" charset="-128"/>
-              </a:rPr>
-              <a:t>担当 </a:t>
-            </a:r>
-            <a:r>
-              <a:rPr lang="en-US" altLang="ja-JP" sz="4400" dirty="0">
-                <a:latin typeface="BIZ UDPゴシック" panose="020B0400000000000000" pitchFamily="50" charset="-128"/>
-                <a:ea typeface="BIZ UDPゴシック" panose="020B0400000000000000" pitchFamily="50" charset="-128"/>
-              </a:rPr>
-              <a:t>: </a:t>
-            </a:r>
-            <a:r>
-              <a:rPr lang="ja-JP" altLang="en-US" sz="4400" dirty="0">
-                <a:latin typeface="BIZ UDPゴシック" panose="020B0400000000000000" pitchFamily="50" charset="-128"/>
-                <a:ea typeface="BIZ UDPゴシック" panose="020B0400000000000000" pitchFamily="50" charset="-128"/>
-              </a:rPr>
-              <a:t>下沢</a:t>
-            </a:r>
-            <a:endParaRPr lang="en-US" altLang="ja-JP" sz="4400" dirty="0">
-              <a:latin typeface="BIZ UDPゴシック" panose="020B0400000000000000" pitchFamily="50" charset="-128"/>
-              <a:ea typeface="BIZ UDPゴシック" panose="020B0400000000000000" pitchFamily="50" charset="-128"/>
-            </a:endParaRPr>
+            <a:pPr marL="457200" indent="-457200">
+              <a:buFont typeface="Arial" panose="020B0604020202020204" pitchFamily="34" charset="0"/>
+              <a:buChar char="•"/>
+            </a:pPr>
+            <a:r>
+              <a:rPr kumimoji="1" lang="ja-JP" altLang="en-US" sz="3200" dirty="0">
+                <a:latin typeface="BIZ UDPゴシック" panose="020B0400000000000000" pitchFamily="50" charset="-128"/>
+                <a:ea typeface="BIZ UDPゴシック" panose="020B0400000000000000" pitchFamily="50" charset="-128"/>
+              </a:rPr>
+              <a:t>ニュースの文章を</a:t>
+            </a:r>
+            <a:r>
+              <a:rPr kumimoji="1" lang="en-US" altLang="ja-JP" sz="3200" dirty="0">
+                <a:latin typeface="BIZ UDPゴシック" panose="020B0400000000000000" pitchFamily="50" charset="-128"/>
+                <a:ea typeface="BIZ UDPゴシック" panose="020B0400000000000000" pitchFamily="50" charset="-128"/>
+              </a:rPr>
+              <a:t>5</a:t>
+            </a:r>
+            <a:r>
+              <a:rPr lang="ja-JP" altLang="en-US" sz="3200" dirty="0">
+                <a:latin typeface="BIZ UDPゴシック" panose="020B0400000000000000" pitchFamily="50" charset="-128"/>
+                <a:ea typeface="BIZ UDPゴシック" panose="020B0400000000000000" pitchFamily="50" charset="-128"/>
+              </a:rPr>
+              <a:t>個</a:t>
+            </a:r>
+            <a:r>
+              <a:rPr kumimoji="1" lang="ja-JP" altLang="en-US" sz="3200" dirty="0">
+                <a:latin typeface="BIZ UDPゴシック" panose="020B0400000000000000" pitchFamily="50" charset="-128"/>
+                <a:ea typeface="BIZ UDPゴシック" panose="020B0400000000000000" pitchFamily="50" charset="-128"/>
+              </a:rPr>
+              <a:t>の感情パラメータに振り分けて説明変数にする</a:t>
+            </a:r>
           </a:p>
         </p:txBody>
       </p:sp>
     </p:spTree>
     <p:extLst>
       <p:ext uri="{BB962C8B-B14F-4D97-AF65-F5344CB8AC3E}">
-        <p14:creationId xmlns:p14="http://schemas.microsoft.com/office/powerpoint/2010/main" val="3636295746"/>
+        <p14:creationId xmlns:p14="http://schemas.microsoft.com/office/powerpoint/2010/main" val="2996474779"/>
       </p:ext>
     </p:extLst>
   </p:cSld>
@@ -5753,16 +6008,12 @@
           <a:lstStyle/>
           <a:p>
             <a:r>
-              <a:rPr lang="ja-JP" altLang="en-US" sz="7200" b="1" dirty="0">
-                <a:latin typeface="BIZ UDPゴシック" panose="020B0400000000000000" pitchFamily="50" charset="-128"/>
-                <a:ea typeface="BIZ UDPゴシック" panose="020B0400000000000000" pitchFamily="50" charset="-128"/>
-              </a:rPr>
-              <a:t>進捗状況・現状の課題</a:t>
-            </a:r>
-            <a:endParaRPr kumimoji="1" lang="ja-JP" altLang="en-US" sz="7200" b="1" dirty="0">
-              <a:latin typeface="BIZ UDPゴシック" panose="020B0400000000000000" pitchFamily="50" charset="-128"/>
-              <a:ea typeface="BIZ UDPゴシック" panose="020B0400000000000000" pitchFamily="50" charset="-128"/>
-            </a:endParaRPr>
+              <a:rPr kumimoji="1" lang="ja-JP" altLang="en-US" sz="7200" b="1" dirty="0">
+                <a:latin typeface="BIZ UDPゴシック" panose="020B0400000000000000" pitchFamily="50" charset="-128"/>
+                <a:ea typeface="BIZ UDPゴシック" panose="020B0400000000000000" pitchFamily="50" charset="-128"/>
+              </a:rPr>
+              <a:t>スケジュール・役割分担</a:t>
+            </a:r>
           </a:p>
         </p:txBody>
       </p:sp>
@@ -5771,7 +6022,7 @@
           <p:cNvPr id="3" name="テキスト ボックス 2">
             <a:extLst>
               <a:ext uri="{FF2B5EF4-FFF2-40B4-BE49-F238E27FC236}">
-                <a16:creationId xmlns:a16="http://schemas.microsoft.com/office/drawing/2014/main" id="{E201EF75-03B7-4D87-9B92-FBFEFBA29CE5}"/>
+                <a16:creationId xmlns:a16="http://schemas.microsoft.com/office/drawing/2014/main" id="{8F0362D3-18B0-4CC8-B306-5883C13C1D4B}"/>
               </a:ext>
             </a:extLst>
           </p:cNvPr>
@@ -5780,8 +6031,8 @@
         </p:nvSpPr>
         <p:spPr>
           <a:xfrm>
-            <a:off x="743040" y="4898294"/>
-            <a:ext cx="10390014" cy="830997"/>
+            <a:off x="837307" y="2853206"/>
+            <a:ext cx="7571402" cy="2123658"/>
           </a:xfrm>
           <a:prstGeom prst="rect">
             <a:avLst/>
@@ -5795,68 +6046,106 @@
           <a:lstStyle/>
           <a:p>
             <a:r>
-              <a:rPr kumimoji="1" lang="ja-JP" altLang="en-US" sz="2400" dirty="0">
-                <a:latin typeface="BIZ UDPゴシック" panose="020B0400000000000000" pitchFamily="50" charset="-128"/>
-                <a:ea typeface="BIZ UDPゴシック" panose="020B0400000000000000" pitchFamily="50" charset="-128"/>
-              </a:rPr>
-              <a:t>時系列予測のモデルの選定が終わってない</a:t>
-            </a:r>
-            <a:r>
-              <a:rPr lang="en-US" altLang="ja-JP" sz="2400" dirty="0">
-                <a:latin typeface="BIZ UDPゴシック" panose="020B0400000000000000" pitchFamily="50" charset="-128"/>
-                <a:ea typeface="BIZ UDPゴシック" panose="020B0400000000000000" pitchFamily="50" charset="-128"/>
-              </a:rPr>
-              <a:t>(</a:t>
-            </a:r>
-            <a:r>
-              <a:rPr lang="en-US" altLang="ja-JP" sz="2400" dirty="0" err="1">
-                <a:latin typeface="BIZ UDPゴシック" panose="020B0400000000000000" pitchFamily="50" charset="-128"/>
-                <a:ea typeface="BIZ UDPゴシック" panose="020B0400000000000000" pitchFamily="50" charset="-128"/>
-              </a:rPr>
-              <a:t>iTransformer</a:t>
-            </a:r>
-            <a:r>
-              <a:rPr lang="en-US" altLang="ja-JP" sz="2400" dirty="0">
-                <a:latin typeface="BIZ UDPゴシック" panose="020B0400000000000000" pitchFamily="50" charset="-128"/>
-                <a:ea typeface="BIZ UDPゴシック" panose="020B0400000000000000" pitchFamily="50" charset="-128"/>
-              </a:rPr>
-              <a:t> </a:t>
-            </a:r>
-            <a:r>
-              <a:rPr lang="ja-JP" altLang="en-US" sz="2400" dirty="0">
-                <a:latin typeface="BIZ UDPゴシック" panose="020B0400000000000000" pitchFamily="50" charset="-128"/>
-                <a:ea typeface="BIZ UDPゴシック" panose="020B0400000000000000" pitchFamily="50" charset="-128"/>
-              </a:rPr>
-              <a:t>か </a:t>
-            </a:r>
-            <a:r>
-              <a:rPr lang="en-US" altLang="ja-JP" sz="2400" dirty="0">
-                <a:latin typeface="BIZ UDPゴシック" panose="020B0400000000000000" pitchFamily="50" charset="-128"/>
-                <a:ea typeface="BIZ UDPゴシック" panose="020B0400000000000000" pitchFamily="50" charset="-128"/>
-              </a:rPr>
-              <a:t>LSTM)</a:t>
-            </a:r>
-          </a:p>
-          <a:p>
-            <a:r>
-              <a:rPr kumimoji="1" lang="ja-JP" altLang="en-US" sz="2400" dirty="0">
-                <a:latin typeface="BIZ UDPゴシック" panose="020B0400000000000000" pitchFamily="50" charset="-128"/>
-                <a:ea typeface="BIZ UDPゴシック" panose="020B0400000000000000" pitchFamily="50" charset="-128"/>
-              </a:rPr>
-              <a:t>スクレイプがガチで</a:t>
-            </a:r>
-            <a:r>
-              <a:rPr lang="ja-JP" altLang="en-US" sz="2400" dirty="0">
-                <a:latin typeface="BIZ UDPゴシック" panose="020B0400000000000000" pitchFamily="50" charset="-128"/>
-                <a:ea typeface="BIZ UDPゴシック" panose="020B0400000000000000" pitchFamily="50" charset="-128"/>
-              </a:rPr>
-              <a:t>面倒</a:t>
-            </a:r>
-            <a:endParaRPr kumimoji="1" lang="en-US" altLang="ja-JP" sz="2400" dirty="0">
+              <a:rPr kumimoji="1" lang="en-US" altLang="ja-JP" sz="4400" dirty="0">
+                <a:latin typeface="BIZ UDPゴシック" panose="020B0400000000000000" pitchFamily="50" charset="-128"/>
+                <a:ea typeface="BIZ UDPゴシック" panose="020B0400000000000000" pitchFamily="50" charset="-128"/>
+              </a:rPr>
+              <a:t>6</a:t>
+            </a:r>
+            <a:r>
+              <a:rPr kumimoji="1" lang="ja-JP" altLang="en-US" sz="4400" dirty="0">
+                <a:latin typeface="BIZ UDPゴシック" panose="020B0400000000000000" pitchFamily="50" charset="-128"/>
+                <a:ea typeface="BIZ UDPゴシック" panose="020B0400000000000000" pitchFamily="50" charset="-128"/>
+              </a:rPr>
+              <a:t>月中 </a:t>
+            </a:r>
+            <a:r>
+              <a:rPr kumimoji="1" lang="en-US" altLang="ja-JP" sz="4400" dirty="0">
+                <a:latin typeface="BIZ UDPゴシック" panose="020B0400000000000000" pitchFamily="50" charset="-128"/>
+                <a:ea typeface="BIZ UDPゴシック" panose="020B0400000000000000" pitchFamily="50" charset="-128"/>
+              </a:rPr>
+              <a:t>: </a:t>
+            </a:r>
+            <a:r>
+              <a:rPr kumimoji="1" lang="ja-JP" altLang="en-US" sz="4400" dirty="0">
+                <a:latin typeface="BIZ UDPゴシック" panose="020B0400000000000000" pitchFamily="50" charset="-128"/>
+                <a:ea typeface="BIZ UDPゴシック" panose="020B0400000000000000" pitchFamily="50" charset="-128"/>
+              </a:rPr>
+              <a:t>データセット作成</a:t>
+            </a:r>
+            <a:endParaRPr kumimoji="1" lang="en-US" altLang="ja-JP" sz="4400" dirty="0">
               <a:latin typeface="BIZ UDPゴシック" panose="020B0400000000000000" pitchFamily="50" charset="-128"/>
               <a:ea typeface="BIZ UDPゴシック" panose="020B0400000000000000" pitchFamily="50" charset="-128"/>
             </a:endParaRPr>
           </a:p>
+          <a:p>
+            <a:r>
+              <a:rPr lang="en-US" altLang="ja-JP" sz="4400" dirty="0">
+                <a:latin typeface="BIZ UDPゴシック" panose="020B0400000000000000" pitchFamily="50" charset="-128"/>
+                <a:ea typeface="BIZ UDPゴシック" panose="020B0400000000000000" pitchFamily="50" charset="-128"/>
+              </a:rPr>
+              <a:t>7</a:t>
+            </a:r>
+            <a:r>
+              <a:rPr lang="ja-JP" altLang="en-US" sz="4400" dirty="0">
+                <a:latin typeface="BIZ UDPゴシック" panose="020B0400000000000000" pitchFamily="50" charset="-128"/>
+                <a:ea typeface="BIZ UDPゴシック" panose="020B0400000000000000" pitchFamily="50" charset="-128"/>
+              </a:rPr>
+              <a:t>月中 </a:t>
+            </a:r>
+            <a:r>
+              <a:rPr lang="en-US" altLang="ja-JP" sz="4400" dirty="0">
+                <a:latin typeface="BIZ UDPゴシック" panose="020B0400000000000000" pitchFamily="50" charset="-128"/>
+                <a:ea typeface="BIZ UDPゴシック" panose="020B0400000000000000" pitchFamily="50" charset="-128"/>
+              </a:rPr>
+              <a:t>: </a:t>
+            </a:r>
+            <a:r>
+              <a:rPr lang="ja-JP" altLang="en-US" sz="4400" dirty="0">
+                <a:latin typeface="BIZ UDPゴシック" panose="020B0400000000000000" pitchFamily="50" charset="-128"/>
+                <a:ea typeface="BIZ UDPゴシック" panose="020B0400000000000000" pitchFamily="50" charset="-128"/>
+              </a:rPr>
+              <a:t>時系列モデルの選定</a:t>
+            </a:r>
+            <a:endParaRPr lang="en-US" altLang="ja-JP" sz="4400" dirty="0">
+              <a:latin typeface="BIZ UDPゴシック" panose="020B0400000000000000" pitchFamily="50" charset="-128"/>
+              <a:ea typeface="BIZ UDPゴシック" panose="020B0400000000000000" pitchFamily="50" charset="-128"/>
+            </a:endParaRPr>
+          </a:p>
+          <a:p>
+            <a:r>
+              <a:rPr lang="en-US" altLang="ja-JP" sz="4400" dirty="0">
+                <a:latin typeface="BIZ UDPゴシック" panose="020B0400000000000000" pitchFamily="50" charset="-128"/>
+                <a:ea typeface="BIZ UDPゴシック" panose="020B0400000000000000" pitchFamily="50" charset="-128"/>
+              </a:rPr>
+              <a:t>8</a:t>
+            </a:r>
+            <a:r>
+              <a:rPr lang="ja-JP" altLang="en-US" sz="4400" dirty="0">
+                <a:latin typeface="BIZ UDPゴシック" panose="020B0400000000000000" pitchFamily="50" charset="-128"/>
+                <a:ea typeface="BIZ UDPゴシック" panose="020B0400000000000000" pitchFamily="50" charset="-128"/>
+              </a:rPr>
+              <a:t>月中 </a:t>
+            </a:r>
+            <a:r>
+              <a:rPr lang="en-US" altLang="ja-JP" sz="4400" dirty="0">
+                <a:latin typeface="BIZ UDPゴシック" panose="020B0400000000000000" pitchFamily="50" charset="-128"/>
+                <a:ea typeface="BIZ UDPゴシック" panose="020B0400000000000000" pitchFamily="50" charset="-128"/>
+              </a:rPr>
+              <a:t>: </a:t>
+            </a:r>
+            <a:r>
+              <a:rPr lang="ja-JP" altLang="en-US" sz="4400" dirty="0">
+                <a:latin typeface="BIZ UDPゴシック" panose="020B0400000000000000" pitchFamily="50" charset="-128"/>
+                <a:ea typeface="BIZ UDPゴシック" panose="020B0400000000000000" pitchFamily="50" charset="-128"/>
+              </a:rPr>
+              <a:t>学習</a:t>
+            </a:r>
+            <a:endParaRPr kumimoji="1" lang="en-US" altLang="ja-JP" sz="4400" dirty="0">
+              <a:latin typeface="BIZ UDPゴシック" panose="020B0400000000000000" pitchFamily="50" charset="-128"/>
+              <a:ea typeface="BIZ UDPゴシック" panose="020B0400000000000000" pitchFamily="50" charset="-128"/>
+            </a:endParaRPr>
+          </a:p>
         </p:txBody>
       </p:sp>
       <p:sp>
@@ -5864,7 +6153,7 @@
           <p:cNvPr id="4" name="テキスト ボックス 3">
             <a:extLst>
               <a:ext uri="{FF2B5EF4-FFF2-40B4-BE49-F238E27FC236}">
-                <a16:creationId xmlns:a16="http://schemas.microsoft.com/office/drawing/2014/main" id="{A66B3FF6-0A5D-491E-A912-EFA9E3E3C797}"/>
+                <a16:creationId xmlns:a16="http://schemas.microsoft.com/office/drawing/2014/main" id="{04BD8148-255A-403B-B87B-C97D05B5FE32}"/>
               </a:ext>
             </a:extLst>
           </p:cNvPr>
@@ -5873,8 +6162,8 @@
         </p:nvSpPr>
         <p:spPr>
           <a:xfrm>
-            <a:off x="743040" y="2222218"/>
-            <a:ext cx="11106453" cy="830997"/>
+            <a:off x="8408709" y="2853206"/>
+            <a:ext cx="4916290" cy="2123658"/>
           </a:xfrm>
           <a:prstGeom prst="rect">
             <a:avLst/>
@@ -5888,95 +6177,133 @@
           <a:lstStyle/>
           <a:p>
             <a:r>
-              <a:rPr kumimoji="1" lang="ja-JP" altLang="en-US" sz="2400" dirty="0">
-                <a:latin typeface="BIZ UDPゴシック" panose="020B0400000000000000" pitchFamily="50" charset="-128"/>
-                <a:ea typeface="BIZ UDPゴシック" panose="020B0400000000000000" pitchFamily="50" charset="-128"/>
-              </a:rPr>
-              <a:t>感情パラメータは</a:t>
-            </a:r>
-            <a:r>
-              <a:rPr kumimoji="1" lang="en-US" altLang="ja-JP" sz="2400" dirty="0">
-                <a:latin typeface="BIZ UDPゴシック" panose="020B0400000000000000" pitchFamily="50" charset="-128"/>
-                <a:ea typeface="BIZ UDPゴシック" panose="020B0400000000000000" pitchFamily="50" charset="-128"/>
-              </a:rPr>
-              <a:t>BERT</a:t>
-            </a:r>
-            <a:r>
-              <a:rPr kumimoji="1" lang="ja-JP" altLang="en-US" sz="2400" dirty="0">
-                <a:latin typeface="BIZ UDPゴシック" panose="020B0400000000000000" pitchFamily="50" charset="-128"/>
-                <a:ea typeface="BIZ UDPゴシック" panose="020B0400000000000000" pitchFamily="50" charset="-128"/>
-              </a:rPr>
-              <a:t>で実現</a:t>
-            </a:r>
-            <a:r>
-              <a:rPr kumimoji="1" lang="en-US" altLang="ja-JP" sz="2400" dirty="0">
-                <a:latin typeface="BIZ UDPゴシック" panose="020B0400000000000000" pitchFamily="50" charset="-128"/>
-                <a:ea typeface="BIZ UDPゴシック" panose="020B0400000000000000" pitchFamily="50" charset="-128"/>
-              </a:rPr>
-              <a:t>(</a:t>
-            </a:r>
-            <a:r>
-              <a:rPr kumimoji="1" lang="ja-JP" altLang="en-US" sz="2400" dirty="0">
-                <a:latin typeface="BIZ UDPゴシック" panose="020B0400000000000000" pitchFamily="50" charset="-128"/>
-                <a:ea typeface="BIZ UDPゴシック" panose="020B0400000000000000" pitchFamily="50" charset="-128"/>
-              </a:rPr>
-              <a:t>分類モデルの確立を</a:t>
-            </a:r>
-            <a:r>
-              <a:rPr lang="ja-JP" altLang="en-US" sz="2400" dirty="0">
-                <a:latin typeface="BIZ UDPゴシック" panose="020B0400000000000000" pitchFamily="50" charset="-128"/>
-                <a:ea typeface="BIZ UDPゴシック" panose="020B0400000000000000" pitchFamily="50" charset="-128"/>
-              </a:rPr>
-              <a:t>「感情らしさ」として採用</a:t>
-            </a:r>
-            <a:r>
-              <a:rPr kumimoji="1" lang="en-US" altLang="ja-JP" sz="2400" dirty="0">
-                <a:latin typeface="BIZ UDPゴシック" panose="020B0400000000000000" pitchFamily="50" charset="-128"/>
-                <a:ea typeface="BIZ UDPゴシック" panose="020B0400000000000000" pitchFamily="50" charset="-128"/>
-              </a:rPr>
-              <a:t>)</a:t>
-            </a:r>
-          </a:p>
-          <a:p>
-            <a:r>
-              <a:rPr lang="en-US" altLang="ja-JP" sz="2400" dirty="0">
-                <a:latin typeface="BIZ UDPゴシック" panose="020B0400000000000000" pitchFamily="50" charset="-128"/>
-                <a:ea typeface="BIZ UDPゴシック" panose="020B0400000000000000" pitchFamily="50" charset="-128"/>
-              </a:rPr>
-              <a:t>DB</a:t>
-            </a:r>
-            <a:r>
-              <a:rPr lang="ja-JP" altLang="en-US" sz="2400" dirty="0">
-                <a:latin typeface="BIZ UDPゴシック" panose="020B0400000000000000" pitchFamily="50" charset="-128"/>
-                <a:ea typeface="BIZ UDPゴシック" panose="020B0400000000000000" pitchFamily="50" charset="-128"/>
-              </a:rPr>
-              <a:t>用に</a:t>
-            </a:r>
-            <a:r>
-              <a:rPr lang="en-US" altLang="ja-JP" sz="2400" dirty="0">
-                <a:latin typeface="BIZ UDPゴシック" panose="020B0400000000000000" pitchFamily="50" charset="-128"/>
-                <a:ea typeface="BIZ UDPゴシック" panose="020B0400000000000000" pitchFamily="50" charset="-128"/>
-              </a:rPr>
-              <a:t>CRUD</a:t>
-            </a:r>
-            <a:r>
-              <a:rPr lang="ja-JP" altLang="en-US" sz="2400" dirty="0">
-                <a:latin typeface="BIZ UDPゴシック" panose="020B0400000000000000" pitchFamily="50" charset="-128"/>
-                <a:ea typeface="BIZ UDPゴシック" panose="020B0400000000000000" pitchFamily="50" charset="-128"/>
-              </a:rPr>
-              <a:t>サーバー作ったけど正直必要になるか微妙</a:t>
-            </a:r>
-            <a:endParaRPr kumimoji="1" lang="en-US" altLang="ja-JP" sz="2400" dirty="0">
+              <a:rPr kumimoji="1" lang="ja-JP" altLang="en-US" sz="4400" dirty="0">
+                <a:latin typeface="BIZ UDPゴシック" panose="020B0400000000000000" pitchFamily="50" charset="-128"/>
+                <a:ea typeface="BIZ UDPゴシック" panose="020B0400000000000000" pitchFamily="50" charset="-128"/>
+              </a:rPr>
+              <a:t>担当 </a:t>
+            </a:r>
+            <a:r>
+              <a:rPr kumimoji="1" lang="en-US" altLang="ja-JP" sz="4400" dirty="0">
+                <a:latin typeface="BIZ UDPゴシック" panose="020B0400000000000000" pitchFamily="50" charset="-128"/>
+                <a:ea typeface="BIZ UDPゴシック" panose="020B0400000000000000" pitchFamily="50" charset="-128"/>
+              </a:rPr>
+              <a:t>: </a:t>
+            </a:r>
+            <a:r>
+              <a:rPr kumimoji="1" lang="ja-JP" altLang="en-US" sz="4400" dirty="0">
+                <a:latin typeface="BIZ UDPゴシック" panose="020B0400000000000000" pitchFamily="50" charset="-128"/>
+                <a:ea typeface="BIZ UDPゴシック" panose="020B0400000000000000" pitchFamily="50" charset="-128"/>
+              </a:rPr>
+              <a:t>下沢</a:t>
+            </a:r>
+            <a:endParaRPr kumimoji="1" lang="en-US" altLang="ja-JP" sz="4400" dirty="0">
               <a:latin typeface="BIZ UDPゴシック" panose="020B0400000000000000" pitchFamily="50" charset="-128"/>
               <a:ea typeface="BIZ UDPゴシック" panose="020B0400000000000000" pitchFamily="50" charset="-128"/>
             </a:endParaRPr>
           </a:p>
+          <a:p>
+            <a:r>
+              <a:rPr lang="ja-JP" altLang="en-US" sz="4400" dirty="0">
+                <a:latin typeface="BIZ UDPゴシック" panose="020B0400000000000000" pitchFamily="50" charset="-128"/>
+                <a:ea typeface="BIZ UDPゴシック" panose="020B0400000000000000" pitchFamily="50" charset="-128"/>
+              </a:rPr>
+              <a:t>担当 </a:t>
+            </a:r>
+            <a:r>
+              <a:rPr lang="en-US" altLang="ja-JP" sz="4400" dirty="0">
+                <a:latin typeface="BIZ UDPゴシック" panose="020B0400000000000000" pitchFamily="50" charset="-128"/>
+                <a:ea typeface="BIZ UDPゴシック" panose="020B0400000000000000" pitchFamily="50" charset="-128"/>
+              </a:rPr>
+              <a:t>: </a:t>
+            </a:r>
+            <a:r>
+              <a:rPr lang="ja-JP" altLang="en-US" sz="4400" dirty="0">
+                <a:latin typeface="BIZ UDPゴシック" panose="020B0400000000000000" pitchFamily="50" charset="-128"/>
+                <a:ea typeface="BIZ UDPゴシック" panose="020B0400000000000000" pitchFamily="50" charset="-128"/>
+              </a:rPr>
+              <a:t>下沢</a:t>
+            </a:r>
+            <a:endParaRPr lang="en-US" altLang="ja-JP" sz="4400" dirty="0">
+              <a:latin typeface="BIZ UDPゴシック" panose="020B0400000000000000" pitchFamily="50" charset="-128"/>
+              <a:ea typeface="BIZ UDPゴシック" panose="020B0400000000000000" pitchFamily="50" charset="-128"/>
+            </a:endParaRPr>
+          </a:p>
+          <a:p>
+            <a:r>
+              <a:rPr lang="ja-JP" altLang="en-US" sz="4400" dirty="0">
+                <a:latin typeface="BIZ UDPゴシック" panose="020B0400000000000000" pitchFamily="50" charset="-128"/>
+                <a:ea typeface="BIZ UDPゴシック" panose="020B0400000000000000" pitchFamily="50" charset="-128"/>
+              </a:rPr>
+              <a:t>担当 </a:t>
+            </a:r>
+            <a:r>
+              <a:rPr lang="en-US" altLang="ja-JP" sz="4400" dirty="0">
+                <a:latin typeface="BIZ UDPゴシック" panose="020B0400000000000000" pitchFamily="50" charset="-128"/>
+                <a:ea typeface="BIZ UDPゴシック" panose="020B0400000000000000" pitchFamily="50" charset="-128"/>
+              </a:rPr>
+              <a:t>: </a:t>
+            </a:r>
+            <a:r>
+              <a:rPr lang="ja-JP" altLang="en-US" sz="4400" dirty="0">
+                <a:latin typeface="BIZ UDPゴシック" panose="020B0400000000000000" pitchFamily="50" charset="-128"/>
+                <a:ea typeface="BIZ UDPゴシック" panose="020B0400000000000000" pitchFamily="50" charset="-128"/>
+              </a:rPr>
+              <a:t>下沢</a:t>
+            </a:r>
+            <a:endParaRPr lang="en-US" altLang="ja-JP" sz="4400" dirty="0">
+              <a:latin typeface="BIZ UDPゴシック" panose="020B0400000000000000" pitchFamily="50" charset="-128"/>
+              <a:ea typeface="BIZ UDPゴシック" panose="020B0400000000000000" pitchFamily="50" charset="-128"/>
+            </a:endParaRPr>
+          </a:p>
+        </p:txBody>
+      </p:sp>
+      <p:sp>
+        <p:nvSpPr>
+          <p:cNvPr id="5" name="テキスト ボックス 4">
+            <a:extLst>
+              <a:ext uri="{FF2B5EF4-FFF2-40B4-BE49-F238E27FC236}">
+                <a16:creationId xmlns:a16="http://schemas.microsoft.com/office/drawing/2014/main" id="{A2437411-F47B-416B-A54D-3878C7C3BA00}"/>
+              </a:ext>
+            </a:extLst>
+          </p:cNvPr>
+          <p:cNvSpPr txBox="1"/>
+          <p:nvPr/>
+        </p:nvSpPr>
+        <p:spPr>
+          <a:xfrm>
+            <a:off x="837307" y="4976864"/>
+            <a:ext cx="7571402" cy="646331"/>
+          </a:xfrm>
+          <a:prstGeom prst="rect">
+            <a:avLst/>
+          </a:prstGeom>
+          <a:noFill/>
+        </p:spPr>
+        <p:txBody>
+          <a:bodyPr wrap="square" rtlCol="0">
+            <a:spAutoFit/>
+          </a:bodyPr>
+          <a:lstStyle/>
+          <a:p>
+            <a:r>
+              <a:rPr kumimoji="1" lang="ja-JP" altLang="en-US" sz="3600" dirty="0">
+                <a:latin typeface="BIZ UDPゴシック" panose="020B0400000000000000" pitchFamily="50" charset="-128"/>
+                <a:ea typeface="BIZ UDPゴシック" panose="020B0400000000000000" pitchFamily="50" charset="-128"/>
+              </a:rPr>
+              <a:t>随時スクレイプは継続する</a:t>
+            </a:r>
+            <a:endParaRPr kumimoji="1" lang="en-US" altLang="ja-JP" sz="3600" dirty="0">
+              <a:latin typeface="BIZ UDPゴシック" panose="020B0400000000000000" pitchFamily="50" charset="-128"/>
+              <a:ea typeface="BIZ UDPゴシック" panose="020B0400000000000000" pitchFamily="50" charset="-128"/>
+            </a:endParaRPr>
+          </a:p>
         </p:txBody>
       </p:sp>
     </p:spTree>
     <p:extLst>
       <p:ext uri="{BB962C8B-B14F-4D97-AF65-F5344CB8AC3E}">
-        <p14:creationId xmlns:p14="http://schemas.microsoft.com/office/powerpoint/2010/main" val="4170943041"/>
+        <p14:creationId xmlns:p14="http://schemas.microsoft.com/office/powerpoint/2010/main" val="3636295746"/>
       </p:ext>
     </p:extLst>
   </p:cSld>
@@ -6003,12 +6330,218 @@
           <a:chExt cx="0" cy="0"/>
         </a:xfrm>
       </p:grpSpPr>
+      <p:sp>
+        <p:nvSpPr>
+          <p:cNvPr id="2" name="タイトル 1">
+            <a:extLst>
+              <a:ext uri="{FF2B5EF4-FFF2-40B4-BE49-F238E27FC236}">
+                <a16:creationId xmlns:a16="http://schemas.microsoft.com/office/drawing/2014/main" id="{82654784-CE29-455D-9E64-22CA513C696C}"/>
+              </a:ext>
+            </a:extLst>
+          </p:cNvPr>
+          <p:cNvSpPr>
+            <a:spLocks noGrp="1"/>
+          </p:cNvSpPr>
+          <p:nvPr>
+            <p:ph type="title"/>
+          </p:nvPr>
+        </p:nvSpPr>
+        <p:spPr>
+          <a:xfrm>
+            <a:off x="139784" y="112304"/>
+            <a:ext cx="10515600" cy="1325563"/>
+          </a:xfrm>
+        </p:spPr>
+        <p:txBody>
+          <a:bodyPr>
+            <a:normAutofit/>
+          </a:bodyPr>
+          <a:lstStyle/>
+          <a:p>
+            <a:r>
+              <a:rPr lang="ja-JP" altLang="en-US" sz="7200" b="1" dirty="0">
+                <a:latin typeface="BIZ UDPゴシック" panose="020B0400000000000000" pitchFamily="50" charset="-128"/>
+                <a:ea typeface="BIZ UDPゴシック" panose="020B0400000000000000" pitchFamily="50" charset="-128"/>
+              </a:rPr>
+              <a:t>進捗状況・現状の課題</a:t>
+            </a:r>
+            <a:endParaRPr kumimoji="1" lang="ja-JP" altLang="en-US" sz="7200" b="1" dirty="0">
+              <a:latin typeface="BIZ UDPゴシック" panose="020B0400000000000000" pitchFamily="50" charset="-128"/>
+              <a:ea typeface="BIZ UDPゴシック" panose="020B0400000000000000" pitchFamily="50" charset="-128"/>
+            </a:endParaRPr>
+          </a:p>
+        </p:txBody>
+      </p:sp>
+      <p:sp>
+        <p:nvSpPr>
+          <p:cNvPr id="4" name="テキスト ボックス 3">
+            <a:extLst>
+              <a:ext uri="{FF2B5EF4-FFF2-40B4-BE49-F238E27FC236}">
+                <a16:creationId xmlns:a16="http://schemas.microsoft.com/office/drawing/2014/main" id="{A66B3FF6-0A5D-491E-A912-EFA9E3E3C797}"/>
+              </a:ext>
+            </a:extLst>
+          </p:cNvPr>
+          <p:cNvSpPr txBox="1"/>
+          <p:nvPr/>
+        </p:nvSpPr>
+        <p:spPr>
+          <a:xfrm>
+            <a:off x="743040" y="2297174"/>
+            <a:ext cx="11106453" cy="1569660"/>
+          </a:xfrm>
+          <a:prstGeom prst="rect">
+            <a:avLst/>
+          </a:prstGeom>
+          <a:noFill/>
+        </p:spPr>
+        <p:txBody>
+          <a:bodyPr wrap="square" rtlCol="0">
+            <a:spAutoFit/>
+          </a:bodyPr>
+          <a:lstStyle/>
+          <a:p>
+            <a:pPr marL="342900" indent="-342900">
+              <a:buFont typeface="Arial" panose="020B0604020202020204" pitchFamily="34" charset="0"/>
+              <a:buChar char="•"/>
+            </a:pPr>
+            <a:r>
+              <a:rPr kumimoji="1" lang="ja-JP" altLang="en-US" sz="3200" dirty="0">
+                <a:latin typeface="BIZ UDPゴシック" panose="020B0400000000000000" pitchFamily="50" charset="-128"/>
+                <a:ea typeface="BIZ UDPゴシック" panose="020B0400000000000000" pitchFamily="50" charset="-128"/>
+              </a:rPr>
+              <a:t>感情パラメータは</a:t>
+            </a:r>
+            <a:r>
+              <a:rPr kumimoji="1" lang="en-US" altLang="ja-JP" sz="3200" dirty="0">
+                <a:latin typeface="BIZ UDPゴシック" panose="020B0400000000000000" pitchFamily="50" charset="-128"/>
+                <a:ea typeface="BIZ UDPゴシック" panose="020B0400000000000000" pitchFamily="50" charset="-128"/>
+              </a:rPr>
+              <a:t>BERT</a:t>
+            </a:r>
+            <a:r>
+              <a:rPr kumimoji="1" lang="ja-JP" altLang="en-US" sz="3200" dirty="0">
+                <a:latin typeface="BIZ UDPゴシック" panose="020B0400000000000000" pitchFamily="50" charset="-128"/>
+                <a:ea typeface="BIZ UDPゴシック" panose="020B0400000000000000" pitchFamily="50" charset="-128"/>
+              </a:rPr>
+              <a:t>で実現</a:t>
+            </a:r>
+            <a:r>
+              <a:rPr kumimoji="1" lang="en-US" altLang="ja-JP" sz="3200" dirty="0">
+                <a:latin typeface="BIZ UDPゴシック" panose="020B0400000000000000" pitchFamily="50" charset="-128"/>
+                <a:ea typeface="BIZ UDPゴシック" panose="020B0400000000000000" pitchFamily="50" charset="-128"/>
+              </a:rPr>
+              <a:t>(</a:t>
+            </a:r>
+            <a:r>
+              <a:rPr kumimoji="1" lang="ja-JP" altLang="en-US" sz="3200" dirty="0">
+                <a:latin typeface="BIZ UDPゴシック" panose="020B0400000000000000" pitchFamily="50" charset="-128"/>
+                <a:ea typeface="BIZ UDPゴシック" panose="020B0400000000000000" pitchFamily="50" charset="-128"/>
+              </a:rPr>
+              <a:t>分類モデルの確立を</a:t>
+            </a:r>
+            <a:r>
+              <a:rPr lang="ja-JP" altLang="en-US" sz="3200" dirty="0">
+                <a:latin typeface="BIZ UDPゴシック" panose="020B0400000000000000" pitchFamily="50" charset="-128"/>
+                <a:ea typeface="BIZ UDPゴシック" panose="020B0400000000000000" pitchFamily="50" charset="-128"/>
+              </a:rPr>
+              <a:t>「感情らしさ」として採用</a:t>
+            </a:r>
+            <a:r>
+              <a:rPr kumimoji="1" lang="en-US" altLang="ja-JP" sz="3200" dirty="0">
+                <a:latin typeface="BIZ UDPゴシック" panose="020B0400000000000000" pitchFamily="50" charset="-128"/>
+                <a:ea typeface="BIZ UDPゴシック" panose="020B0400000000000000" pitchFamily="50" charset="-128"/>
+              </a:rPr>
+              <a:t>)</a:t>
+            </a:r>
+          </a:p>
+          <a:p>
+            <a:pPr marL="342900" indent="-342900">
+              <a:buFont typeface="Arial" panose="020B0604020202020204" pitchFamily="34" charset="0"/>
+              <a:buChar char="•"/>
+            </a:pPr>
+            <a:r>
+              <a:rPr lang="en-US" altLang="ja-JP" sz="3200" dirty="0">
+                <a:latin typeface="BIZ UDPゴシック" panose="020B0400000000000000" pitchFamily="50" charset="-128"/>
+                <a:ea typeface="BIZ UDPゴシック" panose="020B0400000000000000" pitchFamily="50" charset="-128"/>
+              </a:rPr>
+              <a:t>DB</a:t>
+            </a:r>
+            <a:r>
+              <a:rPr lang="ja-JP" altLang="en-US" sz="3200" dirty="0">
+                <a:latin typeface="BIZ UDPゴシック" panose="020B0400000000000000" pitchFamily="50" charset="-128"/>
+                <a:ea typeface="BIZ UDPゴシック" panose="020B0400000000000000" pitchFamily="50" charset="-128"/>
+              </a:rPr>
+              <a:t>用に</a:t>
+            </a:r>
+            <a:r>
+              <a:rPr lang="en-US" altLang="ja-JP" sz="3200" dirty="0">
+                <a:latin typeface="BIZ UDPゴシック" panose="020B0400000000000000" pitchFamily="50" charset="-128"/>
+                <a:ea typeface="BIZ UDPゴシック" panose="020B0400000000000000" pitchFamily="50" charset="-128"/>
+              </a:rPr>
+              <a:t>CRUD</a:t>
+            </a:r>
+            <a:r>
+              <a:rPr lang="ja-JP" altLang="en-US" sz="3200" dirty="0">
+                <a:latin typeface="BIZ UDPゴシック" panose="020B0400000000000000" pitchFamily="50" charset="-128"/>
+                <a:ea typeface="BIZ UDPゴシック" panose="020B0400000000000000" pitchFamily="50" charset="-128"/>
+              </a:rPr>
+              <a:t>サーバー作ったけど正直必要になるか微妙</a:t>
+            </a:r>
+            <a:endParaRPr kumimoji="1" lang="en-US" altLang="ja-JP" sz="3200" dirty="0">
+              <a:latin typeface="BIZ UDPゴシック" panose="020B0400000000000000" pitchFamily="50" charset="-128"/>
+              <a:ea typeface="BIZ UDPゴシック" panose="020B0400000000000000" pitchFamily="50" charset="-128"/>
+            </a:endParaRPr>
+          </a:p>
+        </p:txBody>
+      </p:sp>
+      <p:sp>
+        <p:nvSpPr>
+          <p:cNvPr id="5" name="テキスト ボックス 4">
+            <a:extLst>
+              <a:ext uri="{FF2B5EF4-FFF2-40B4-BE49-F238E27FC236}">
+                <a16:creationId xmlns:a16="http://schemas.microsoft.com/office/drawing/2014/main" id="{325E5DEA-372A-4342-ABDF-36EC27528F10}"/>
+              </a:ext>
+            </a:extLst>
+          </p:cNvPr>
+          <p:cNvSpPr txBox="1"/>
+          <p:nvPr/>
+        </p:nvSpPr>
+        <p:spPr>
+          <a:xfrm>
+            <a:off x="645783" y="1437867"/>
+            <a:ext cx="1781666" cy="707886"/>
+          </a:xfrm>
+          <a:prstGeom prst="rect">
+            <a:avLst/>
+          </a:prstGeom>
+          <a:noFill/>
+        </p:spPr>
+        <p:txBody>
+          <a:bodyPr wrap="square" rtlCol="0">
+            <a:spAutoFit/>
+          </a:bodyPr>
+          <a:lstStyle/>
+          <a:p>
+            <a:r>
+              <a:rPr kumimoji="1" lang="ja-JP" altLang="en-US" sz="4000" dirty="0">
+                <a:latin typeface="BIZ UDPゴシック" panose="020B0400000000000000" pitchFamily="50" charset="-128"/>
+                <a:ea typeface="BIZ UDPゴシック" panose="020B0400000000000000" pitchFamily="50" charset="-128"/>
+              </a:rPr>
+              <a:t>現状</a:t>
+            </a:r>
+            <a:endParaRPr kumimoji="1" lang="en-US" altLang="ja-JP" sz="4000" dirty="0">
+              <a:latin typeface="BIZ UDPゴシック" panose="020B0400000000000000" pitchFamily="50" charset="-128"/>
+              <a:ea typeface="BIZ UDPゴシック" panose="020B0400000000000000" pitchFamily="50" charset="-128"/>
+            </a:endParaRPr>
+          </a:p>
+        </p:txBody>
+      </p:sp>
       <p:pic>
         <p:nvPicPr>
-          <p:cNvPr id="5" name="図 4">
-            <a:extLst>
-              <a:ext uri="{FF2B5EF4-FFF2-40B4-BE49-F238E27FC236}">
-                <a16:creationId xmlns:a16="http://schemas.microsoft.com/office/drawing/2014/main" id="{BE18282F-AF10-4645-8984-19F7D468FEDA}"/>
+          <p:cNvPr id="7" name="図 6">
+            <a:extLst>
+              <a:ext uri="{FF2B5EF4-FFF2-40B4-BE49-F238E27FC236}">
+                <a16:creationId xmlns:a16="http://schemas.microsoft.com/office/drawing/2014/main" id="{58E53B1F-68C4-4E2A-AAF5-363D6B67E289}"/>
               </a:ext>
             </a:extLst>
           </p:cNvPr>
@@ -6018,57 +6551,15 @@
           <p:nvPr/>
         </p:nvPicPr>
         <p:blipFill>
-          <a:blip r:embed="rId2">
-            <a:extLst>
-              <a:ext uri="{28A0092B-C50C-407E-A947-70E740481C1C}">
-                <a14:useLocalDpi xmlns:a14="http://schemas.microsoft.com/office/drawing/2010/main" val="0"/>
-              </a:ext>
-            </a:extLst>
-          </a:blip>
+          <a:blip r:embed="rId2"/>
           <a:stretch>
             <a:fillRect/>
           </a:stretch>
         </p:blipFill>
         <p:spPr>
           <a:xfrm>
-            <a:off x="4876800" y="808614"/>
-            <a:ext cx="4941210" cy="5051015"/>
-          </a:xfrm>
-          <a:prstGeom prst="rect">
-            <a:avLst/>
-          </a:prstGeom>
-        </p:spPr>
-      </p:pic>
-      <p:pic>
-        <p:nvPicPr>
-          <p:cNvPr id="7" name="図 6">
-            <a:extLst>
-              <a:ext uri="{FF2B5EF4-FFF2-40B4-BE49-F238E27FC236}">
-                <a16:creationId xmlns:a16="http://schemas.microsoft.com/office/drawing/2014/main" id="{96858182-0493-4418-A09C-113E2DD99424}"/>
-              </a:ext>
-            </a:extLst>
-          </p:cNvPr>
-          <p:cNvPicPr>
-            <a:picLocks noChangeAspect="1"/>
-          </p:cNvPicPr>
-          <p:nvPr/>
-        </p:nvPicPr>
-        <p:blipFill>
-          <a:blip r:embed="rId3">
-            <a:extLst>
-              <a:ext uri="{28A0092B-C50C-407E-A947-70E740481C1C}">
-                <a14:useLocalDpi xmlns:a14="http://schemas.microsoft.com/office/drawing/2010/main" val="0"/>
-              </a:ext>
-            </a:extLst>
-          </a:blip>
-          <a:stretch>
-            <a:fillRect/>
-          </a:stretch>
-        </p:blipFill>
-        <p:spPr>
-          <a:xfrm>
-            <a:off x="251010" y="1209487"/>
-            <a:ext cx="3165007" cy="4061759"/>
+            <a:off x="1749121" y="4194928"/>
+            <a:ext cx="8693758" cy="2482695"/>
           </a:xfrm>
           <a:prstGeom prst="rect">
             <a:avLst/>
@@ -6078,7 +6569,222 @@
     </p:spTree>
     <p:extLst>
       <p:ext uri="{BB962C8B-B14F-4D97-AF65-F5344CB8AC3E}">
-        <p14:creationId xmlns:p14="http://schemas.microsoft.com/office/powerpoint/2010/main" val="639984379"/>
+        <p14:creationId xmlns:p14="http://schemas.microsoft.com/office/powerpoint/2010/main" val="4170943041"/>
+      </p:ext>
+    </p:extLst>
+  </p:cSld>
+  <p:clrMapOvr>
+    <a:masterClrMapping/>
+  </p:clrMapOvr>
+</p:sld>
+</file>
+
+<file path=ppt/slides/slide8.xml><?xml version="1.0" encoding="utf-8"?>
+<p:sld xmlns:a="http://schemas.openxmlformats.org/drawingml/2006/main" xmlns:r="http://schemas.openxmlformats.org/officeDocument/2006/relationships" xmlns:p="http://schemas.openxmlformats.org/presentationml/2006/main">
+  <p:cSld>
+    <p:spTree>
+      <p:nvGrpSpPr>
+        <p:cNvPr id="1" name=""/>
+        <p:cNvGrpSpPr/>
+        <p:nvPr/>
+      </p:nvGrpSpPr>
+      <p:grpSpPr>
+        <a:xfrm>
+          <a:off x="0" y="0"/>
+          <a:ext cx="0" cy="0"/>
+          <a:chOff x="0" y="0"/>
+          <a:chExt cx="0" cy="0"/>
+        </a:xfrm>
+      </p:grpSpPr>
+      <p:sp>
+        <p:nvSpPr>
+          <p:cNvPr id="4" name="テキスト ボックス 3">
+            <a:extLst>
+              <a:ext uri="{FF2B5EF4-FFF2-40B4-BE49-F238E27FC236}">
+                <a16:creationId xmlns:a16="http://schemas.microsoft.com/office/drawing/2014/main" id="{700C4367-EC8A-4ED2-8069-AB908B0A959A}"/>
+              </a:ext>
+            </a:extLst>
+          </p:cNvPr>
+          <p:cNvSpPr txBox="1"/>
+          <p:nvPr/>
+        </p:nvSpPr>
+        <p:spPr>
+          <a:xfrm>
+            <a:off x="1519180" y="3429000"/>
+            <a:ext cx="10672820" cy="1569660"/>
+          </a:xfrm>
+          <a:prstGeom prst="rect">
+            <a:avLst/>
+          </a:prstGeom>
+          <a:noFill/>
+        </p:spPr>
+        <p:txBody>
+          <a:bodyPr wrap="square" rtlCol="0">
+            <a:spAutoFit/>
+          </a:bodyPr>
+          <a:lstStyle/>
+          <a:p>
+            <a:pPr marL="342900" indent="-342900">
+              <a:buFont typeface="Arial" panose="020B0604020202020204" pitchFamily="34" charset="0"/>
+              <a:buChar char="•"/>
+            </a:pPr>
+            <a:r>
+              <a:rPr kumimoji="1" lang="ja-JP" altLang="en-US" sz="3200" dirty="0">
+                <a:latin typeface="BIZ UDPゴシック" panose="020B0400000000000000" pitchFamily="50" charset="-128"/>
+                <a:ea typeface="BIZ UDPゴシック" panose="020B0400000000000000" pitchFamily="50" charset="-128"/>
+              </a:rPr>
+              <a:t>時系列予測のモデルの選定が終わってない</a:t>
+            </a:r>
+            <a:r>
+              <a:rPr lang="en-US" altLang="ja-JP" sz="3200" dirty="0">
+                <a:latin typeface="BIZ UDPゴシック" panose="020B0400000000000000" pitchFamily="50" charset="-128"/>
+                <a:ea typeface="BIZ UDPゴシック" panose="020B0400000000000000" pitchFamily="50" charset="-128"/>
+              </a:rPr>
+              <a:t>(</a:t>
+            </a:r>
+            <a:r>
+              <a:rPr lang="en-US" altLang="ja-JP" sz="3200" dirty="0" err="1">
+                <a:latin typeface="BIZ UDPゴシック" panose="020B0400000000000000" pitchFamily="50" charset="-128"/>
+                <a:ea typeface="BIZ UDPゴシック" panose="020B0400000000000000" pitchFamily="50" charset="-128"/>
+              </a:rPr>
+              <a:t>iTransformer</a:t>
+            </a:r>
+            <a:r>
+              <a:rPr lang="en-US" altLang="ja-JP" sz="3200" dirty="0">
+                <a:latin typeface="BIZ UDPゴシック" panose="020B0400000000000000" pitchFamily="50" charset="-128"/>
+                <a:ea typeface="BIZ UDPゴシック" panose="020B0400000000000000" pitchFamily="50" charset="-128"/>
+              </a:rPr>
+              <a:t> </a:t>
+            </a:r>
+            <a:r>
+              <a:rPr lang="ja-JP" altLang="en-US" sz="3200" dirty="0">
+                <a:latin typeface="BIZ UDPゴシック" panose="020B0400000000000000" pitchFamily="50" charset="-128"/>
+                <a:ea typeface="BIZ UDPゴシック" panose="020B0400000000000000" pitchFamily="50" charset="-128"/>
+              </a:rPr>
+              <a:t>か </a:t>
+            </a:r>
+            <a:r>
+              <a:rPr lang="en-US" altLang="ja-JP" sz="3200" dirty="0">
+                <a:latin typeface="BIZ UDPゴシック" panose="020B0400000000000000" pitchFamily="50" charset="-128"/>
+                <a:ea typeface="BIZ UDPゴシック" panose="020B0400000000000000" pitchFamily="50" charset="-128"/>
+              </a:rPr>
+              <a:t>LSTM)</a:t>
+            </a:r>
+          </a:p>
+          <a:p>
+            <a:pPr marL="342900" indent="-342900">
+              <a:buFont typeface="Arial" panose="020B0604020202020204" pitchFamily="34" charset="0"/>
+              <a:buChar char="•"/>
+            </a:pPr>
+            <a:r>
+              <a:rPr kumimoji="1" lang="ja-JP" altLang="en-US" sz="3200" dirty="0">
+                <a:latin typeface="BIZ UDPゴシック" panose="020B0400000000000000" pitchFamily="50" charset="-128"/>
+                <a:ea typeface="BIZ UDPゴシック" panose="020B0400000000000000" pitchFamily="50" charset="-128"/>
+              </a:rPr>
+              <a:t>スクレイプがガチで</a:t>
+            </a:r>
+            <a:r>
+              <a:rPr lang="ja-JP" altLang="en-US" sz="3200" dirty="0">
+                <a:latin typeface="BIZ UDPゴシック" panose="020B0400000000000000" pitchFamily="50" charset="-128"/>
+                <a:ea typeface="BIZ UDPゴシック" panose="020B0400000000000000" pitchFamily="50" charset="-128"/>
+              </a:rPr>
+              <a:t>面倒</a:t>
+            </a:r>
+            <a:endParaRPr kumimoji="1" lang="en-US" altLang="ja-JP" sz="3200" dirty="0">
+              <a:latin typeface="BIZ UDPゴシック" panose="020B0400000000000000" pitchFamily="50" charset="-128"/>
+              <a:ea typeface="BIZ UDPゴシック" panose="020B0400000000000000" pitchFamily="50" charset="-128"/>
+            </a:endParaRPr>
+          </a:p>
+        </p:txBody>
+      </p:sp>
+      <p:sp>
+        <p:nvSpPr>
+          <p:cNvPr id="5" name="テキスト ボックス 4">
+            <a:extLst>
+              <a:ext uri="{FF2B5EF4-FFF2-40B4-BE49-F238E27FC236}">
+                <a16:creationId xmlns:a16="http://schemas.microsoft.com/office/drawing/2014/main" id="{47AC36CC-892E-45FD-B2D4-A46E566BFCF1}"/>
+              </a:ext>
+            </a:extLst>
+          </p:cNvPr>
+          <p:cNvSpPr txBox="1"/>
+          <p:nvPr/>
+        </p:nvSpPr>
+        <p:spPr>
+          <a:xfrm>
+            <a:off x="1519180" y="2486621"/>
+            <a:ext cx="1764490" cy="923330"/>
+          </a:xfrm>
+          <a:prstGeom prst="rect">
+            <a:avLst/>
+          </a:prstGeom>
+          <a:noFill/>
+        </p:spPr>
+        <p:txBody>
+          <a:bodyPr wrap="square" rtlCol="0">
+            <a:spAutoFit/>
+          </a:bodyPr>
+          <a:lstStyle/>
+          <a:p>
+            <a:r>
+              <a:rPr kumimoji="1" lang="ja-JP" altLang="en-US" sz="5400" dirty="0">
+                <a:latin typeface="BIZ UDPゴシック" panose="020B0400000000000000" pitchFamily="50" charset="-128"/>
+                <a:ea typeface="BIZ UDPゴシック" panose="020B0400000000000000" pitchFamily="50" charset="-128"/>
+              </a:rPr>
+              <a:t>課題</a:t>
+            </a:r>
+            <a:endParaRPr kumimoji="1" lang="en-US" altLang="ja-JP" sz="5400" dirty="0">
+              <a:latin typeface="BIZ UDPゴシック" panose="020B0400000000000000" pitchFamily="50" charset="-128"/>
+              <a:ea typeface="BIZ UDPゴシック" panose="020B0400000000000000" pitchFamily="50" charset="-128"/>
+            </a:endParaRPr>
+          </a:p>
+        </p:txBody>
+      </p:sp>
+      <p:sp>
+        <p:nvSpPr>
+          <p:cNvPr id="6" name="タイトル 1">
+            <a:extLst>
+              <a:ext uri="{FF2B5EF4-FFF2-40B4-BE49-F238E27FC236}">
+                <a16:creationId xmlns:a16="http://schemas.microsoft.com/office/drawing/2014/main" id="{2F052F3E-EEBB-4223-BDA6-80DB75654558}"/>
+              </a:ext>
+            </a:extLst>
+          </p:cNvPr>
+          <p:cNvSpPr>
+            <a:spLocks noGrp="1"/>
+          </p:cNvSpPr>
+          <p:nvPr>
+            <p:ph type="title"/>
+          </p:nvPr>
+        </p:nvSpPr>
+        <p:spPr>
+          <a:xfrm>
+            <a:off x="139784" y="442242"/>
+            <a:ext cx="10515600" cy="1325563"/>
+          </a:xfrm>
+        </p:spPr>
+        <p:txBody>
+          <a:bodyPr>
+            <a:normAutofit/>
+          </a:bodyPr>
+          <a:lstStyle/>
+          <a:p>
+            <a:r>
+              <a:rPr lang="ja-JP" altLang="en-US" sz="7200" b="1" dirty="0">
+                <a:latin typeface="BIZ UDPゴシック" panose="020B0400000000000000" pitchFamily="50" charset="-128"/>
+                <a:ea typeface="BIZ UDPゴシック" panose="020B0400000000000000" pitchFamily="50" charset="-128"/>
+              </a:rPr>
+              <a:t>進捗状況・現状の課題</a:t>
+            </a:r>
+            <a:endParaRPr kumimoji="1" lang="ja-JP" altLang="en-US" sz="7200" b="1" dirty="0">
+              <a:latin typeface="BIZ UDPゴシック" panose="020B0400000000000000" pitchFamily="50" charset="-128"/>
+              <a:ea typeface="BIZ UDPゴシック" panose="020B0400000000000000" pitchFamily="50" charset="-128"/>
+            </a:endParaRPr>
+          </a:p>
+        </p:txBody>
+      </p:sp>
+    </p:spTree>
+    <p:extLst>
+      <p:ext uri="{BB962C8B-B14F-4D97-AF65-F5344CB8AC3E}">
+        <p14:creationId xmlns:p14="http://schemas.microsoft.com/office/powerpoint/2010/main" val="2130615295"/>
       </p:ext>
     </p:extLst>
   </p:cSld>
